--- a/oral.pptx
+++ b/oral.pptx
@@ -5,20 +5,22 @@
     <p:sldMasterId id="2147483648" r:id="rId1"/>
   </p:sldMasterIdLst>
   <p:notesMasterIdLst>
-    <p:notesMasterId r:id="rId13"/>
+    <p:notesMasterId r:id="rId12"/>
   </p:notesMasterIdLst>
+  <p:handoutMasterIdLst>
+    <p:handoutMasterId r:id="rId13"/>
+  </p:handoutMasterIdLst>
   <p:sldIdLst>
-    <p:sldId id="256" r:id="rId2"/>
-    <p:sldId id="257" r:id="rId3"/>
-    <p:sldId id="259" r:id="rId4"/>
-    <p:sldId id="260" r:id="rId5"/>
-    <p:sldId id="261" r:id="rId6"/>
-    <p:sldId id="262" r:id="rId7"/>
-    <p:sldId id="263" r:id="rId8"/>
-    <p:sldId id="264" r:id="rId9"/>
-    <p:sldId id="265" r:id="rId10"/>
-    <p:sldId id="266" r:id="rId11"/>
-    <p:sldId id="267" r:id="rId12"/>
+    <p:sldId id="257" r:id="rId2"/>
+    <p:sldId id="259" r:id="rId3"/>
+    <p:sldId id="260" r:id="rId4"/>
+    <p:sldId id="261" r:id="rId5"/>
+    <p:sldId id="262" r:id="rId6"/>
+    <p:sldId id="263" r:id="rId7"/>
+    <p:sldId id="264" r:id="rId8"/>
+    <p:sldId id="265" r:id="rId9"/>
+    <p:sldId id="266" r:id="rId10"/>
+    <p:sldId id="267" r:id="rId11"/>
   </p:sldIdLst>
   <p:sldSz cx="12192000" cy="6858000"/>
   <p:notesSz cx="6858000" cy="9144000"/>
@@ -125,6 +127,196 @@
 </p:presentation>
 </file>
 
+<file path=ppt/handoutMasters/handoutMaster1.xml><?xml version="1.0" encoding="utf-8"?>
+<p:handoutMaster xmlns:a="http://schemas.openxmlformats.org/drawingml/2006/main" xmlns:r="http://schemas.openxmlformats.org/officeDocument/2006/relationships" xmlns:p="http://schemas.openxmlformats.org/presentationml/2006/main">
+  <p:cSld>
+    <p:bg>
+      <p:bgRef idx="1001">
+        <a:schemeClr val="bg1"/>
+      </p:bgRef>
+    </p:bg>
+    <p:spTree>
+      <p:nvGrpSpPr>
+        <p:cNvPr id="1" name=""/>
+        <p:cNvGrpSpPr/>
+        <p:nvPr/>
+      </p:nvGrpSpPr>
+      <p:grpSpPr>
+        <a:xfrm>
+          <a:off x="0" y="0"/>
+          <a:ext cx="0" cy="0"/>
+          <a:chOff x="0" y="0"/>
+          <a:chExt cx="0" cy="0"/>
+        </a:xfrm>
+      </p:grpSpPr>
+      <p:sp>
+        <p:nvSpPr>
+          <p:cNvPr id="2" name="Espace réservé de l'en-tête 1">
+            <a:extLst>
+              <a:ext uri="{FF2B5EF4-FFF2-40B4-BE49-F238E27FC236}">
+                <a16:creationId xmlns:a16="http://schemas.microsoft.com/office/drawing/2014/main" id="{C4F52727-E0D1-7C9C-2A9D-915D013F0974}"/>
+              </a:ext>
+            </a:extLst>
+          </p:cNvPr>
+          <p:cNvSpPr>
+            <a:spLocks noGrp="1"/>
+          </p:cNvSpPr>
+          <p:nvPr>
+            <p:ph type="hdr" sz="quarter"/>
+          </p:nvPr>
+        </p:nvSpPr>
+        <p:spPr>
+          <a:xfrm>
+            <a:off x="0" y="0"/>
+            <a:ext cx="2971800" cy="458788"/>
+          </a:xfrm>
+          <a:prstGeom prst="rect">
+            <a:avLst/>
+          </a:prstGeom>
+        </p:spPr>
+        <p:txBody>
+          <a:bodyPr vert="horz" lIns="91440" tIns="45720" rIns="91440" bIns="45720" rtlCol="0"/>
+          <a:lstStyle>
+            <a:lvl1pPr algn="l">
+              <a:defRPr sz="1200"/>
+            </a:lvl1pPr>
+          </a:lstStyle>
+          <a:p>
+            <a:endParaRPr lang="fr-FR"/>
+          </a:p>
+        </p:txBody>
+      </p:sp>
+      <p:sp>
+        <p:nvSpPr>
+          <p:cNvPr id="3" name="Espace réservé de la date 2">
+            <a:extLst>
+              <a:ext uri="{FF2B5EF4-FFF2-40B4-BE49-F238E27FC236}">
+                <a16:creationId xmlns:a16="http://schemas.microsoft.com/office/drawing/2014/main" id="{BFA1CCD4-447F-F0D6-7949-34E89A0B921D}"/>
+              </a:ext>
+            </a:extLst>
+          </p:cNvPr>
+          <p:cNvSpPr>
+            <a:spLocks noGrp="1"/>
+          </p:cNvSpPr>
+          <p:nvPr>
+            <p:ph type="dt" sz="quarter" idx="1"/>
+          </p:nvPr>
+        </p:nvSpPr>
+        <p:spPr>
+          <a:xfrm>
+            <a:off x="3884613" y="0"/>
+            <a:ext cx="2971800" cy="458788"/>
+          </a:xfrm>
+          <a:prstGeom prst="rect">
+            <a:avLst/>
+          </a:prstGeom>
+        </p:spPr>
+        <p:txBody>
+          <a:bodyPr vert="horz" lIns="91440" tIns="45720" rIns="91440" bIns="45720" rtlCol="0"/>
+          <a:lstStyle>
+            <a:lvl1pPr algn="r">
+              <a:defRPr sz="1200"/>
+            </a:lvl1pPr>
+          </a:lstStyle>
+          <a:p>
+            <a:fld id="{2A2577C5-F9F5-4756-B6C3-5DC08614790A}" type="datetimeFigureOut">
+              <a:rPr lang="fr-FR" smtClean="0"/>
+              <a:t>08/06/2023</a:t>
+            </a:fld>
+            <a:endParaRPr lang="fr-FR"/>
+          </a:p>
+        </p:txBody>
+      </p:sp>
+      <p:sp>
+        <p:nvSpPr>
+          <p:cNvPr id="4" name="Espace réservé du pied de page 3">
+            <a:extLst>
+              <a:ext uri="{FF2B5EF4-FFF2-40B4-BE49-F238E27FC236}">
+                <a16:creationId xmlns:a16="http://schemas.microsoft.com/office/drawing/2014/main" id="{26454369-211E-B4AA-66B9-504C4E59DB5A}"/>
+              </a:ext>
+            </a:extLst>
+          </p:cNvPr>
+          <p:cNvSpPr>
+            <a:spLocks noGrp="1"/>
+          </p:cNvSpPr>
+          <p:nvPr>
+            <p:ph type="ftr" sz="quarter" idx="2"/>
+          </p:nvPr>
+        </p:nvSpPr>
+        <p:spPr>
+          <a:xfrm>
+            <a:off x="0" y="8685213"/>
+            <a:ext cx="2971800" cy="458787"/>
+          </a:xfrm>
+          <a:prstGeom prst="rect">
+            <a:avLst/>
+          </a:prstGeom>
+        </p:spPr>
+        <p:txBody>
+          <a:bodyPr vert="horz" lIns="91440" tIns="45720" rIns="91440" bIns="45720" rtlCol="0" anchor="b"/>
+          <a:lstStyle>
+            <a:lvl1pPr algn="l">
+              <a:defRPr sz="1200"/>
+            </a:lvl1pPr>
+          </a:lstStyle>
+          <a:p>
+            <a:endParaRPr lang="fr-FR"/>
+          </a:p>
+        </p:txBody>
+      </p:sp>
+      <p:sp>
+        <p:nvSpPr>
+          <p:cNvPr id="5" name="Espace réservé du numéro de diapositive 4">
+            <a:extLst>
+              <a:ext uri="{FF2B5EF4-FFF2-40B4-BE49-F238E27FC236}">
+                <a16:creationId xmlns:a16="http://schemas.microsoft.com/office/drawing/2014/main" id="{CCA51210-C490-2A56-58EF-B6ACB9612CAC}"/>
+              </a:ext>
+            </a:extLst>
+          </p:cNvPr>
+          <p:cNvSpPr>
+            <a:spLocks noGrp="1"/>
+          </p:cNvSpPr>
+          <p:nvPr>
+            <p:ph type="sldNum" sz="quarter" idx="3"/>
+          </p:nvPr>
+        </p:nvSpPr>
+        <p:spPr>
+          <a:xfrm>
+            <a:off x="3884613" y="8685213"/>
+            <a:ext cx="2971800" cy="458787"/>
+          </a:xfrm>
+          <a:prstGeom prst="rect">
+            <a:avLst/>
+          </a:prstGeom>
+        </p:spPr>
+        <p:txBody>
+          <a:bodyPr vert="horz" lIns="91440" tIns="45720" rIns="91440" bIns="45720" rtlCol="0" anchor="b"/>
+          <a:lstStyle>
+            <a:lvl1pPr algn="r">
+              <a:defRPr sz="1200"/>
+            </a:lvl1pPr>
+          </a:lstStyle>
+          <a:p>
+            <a:fld id="{771E8713-2591-41BA-BFC7-2614831FE2EC}" type="slidenum">
+              <a:rPr lang="fr-FR" smtClean="0"/>
+              <a:t>‹N°›</a:t>
+            </a:fld>
+            <a:endParaRPr lang="fr-FR"/>
+          </a:p>
+        </p:txBody>
+      </p:sp>
+    </p:spTree>
+    <p:extLst>
+      <p:ext uri="{BB962C8B-B14F-4D97-AF65-F5344CB8AC3E}">
+        <p14:creationId xmlns:p14="http://schemas.microsoft.com/office/powerpoint/2010/main" val="2566092724"/>
+      </p:ext>
+    </p:extLst>
+  </p:cSld>
+  <p:clrMap bg1="lt1" tx1="dk1" bg2="lt2" tx2="dk2" accent1="accent1" accent2="accent2" accent3="accent3" accent4="accent4" accent5="accent5" accent6="accent6" hlink="hlink" folHlink="folHlink"/>
+  <p:hf hdr="0" ftr="0" dt="0"/>
+</p:handoutMaster>
+</file>
+
 <file path=ppt/notesMasters/notesMaster1.xml><?xml version="1.0" encoding="utf-8"?>
 <p:notesMaster xmlns:a="http://schemas.openxmlformats.org/drawingml/2006/main" xmlns:r="http://schemas.openxmlformats.org/officeDocument/2006/relationships" xmlns:p="http://schemas.openxmlformats.org/presentationml/2006/main">
   <p:cSld>
@@ -379,6 +571,7 @@
     </p:extLst>
   </p:cSld>
   <p:clrMap bg1="lt1" tx1="dk1" bg2="lt2" tx2="dk2" accent1="accent1" accent2="accent2" accent3="accent3" accent4="accent4" accent5="accent5" accent6="accent6" hlink="hlink" folHlink="folHlink"/>
+  <p:hf hdr="0" ftr="0" dt="0"/>
   <p:notesStyle>
     <a:lvl1pPr marL="0" algn="l" defTabSz="914400" rtl="0" eaLnBrk="1" latinLnBrk="0" hangingPunct="1">
       <a:defRPr sz="1200" kern="1200">
@@ -539,7 +732,7 @@
           <a:p>
             <a:fld id="{53C9C901-C406-41D3-B663-03137BC243E0}" type="slidenum">
               <a:rPr lang="fr-FR" smtClean="0"/>
-              <a:t>4</a:t>
+              <a:t>3</a:t>
             </a:fld>
             <a:endParaRPr lang="fr-FR"/>
           </a:p>
@@ -703,7 +896,7 @@
           <a:bodyPr/>
           <a:lstStyle/>
           <a:p>
-            <a:fld id="{8E6F23EA-3A53-46FC-AE35-949985A9B478}" type="datetimeFigureOut">
+            <a:fld id="{00AD1B79-F383-40EE-BF16-BFFA46EC65D2}" type="datetime1">
               <a:rPr lang="fr-FR" smtClean="0"/>
               <a:t>08/06/2023</a:t>
             </a:fld>
@@ -901,7 +1094,7 @@
           <a:bodyPr/>
           <a:lstStyle/>
           <a:p>
-            <a:fld id="{8E6F23EA-3A53-46FC-AE35-949985A9B478}" type="datetimeFigureOut">
+            <a:fld id="{FF952055-BCA3-4FFE-B0C3-7F1BD1E7AF1D}" type="datetime1">
               <a:rPr lang="fr-FR" smtClean="0"/>
               <a:t>08/06/2023</a:t>
             </a:fld>
@@ -1109,7 +1302,7 @@
           <a:bodyPr/>
           <a:lstStyle/>
           <a:p>
-            <a:fld id="{8E6F23EA-3A53-46FC-AE35-949985A9B478}" type="datetimeFigureOut">
+            <a:fld id="{ED0CC0A7-35BB-415E-B255-7BA3F9B007A8}" type="datetime1">
               <a:rPr lang="fr-FR" smtClean="0"/>
               <a:t>08/06/2023</a:t>
             </a:fld>
@@ -1307,7 +1500,7 @@
           <a:bodyPr/>
           <a:lstStyle/>
           <a:p>
-            <a:fld id="{8E6F23EA-3A53-46FC-AE35-949985A9B478}" type="datetimeFigureOut">
+            <a:fld id="{4C9C6D32-06B6-4AAB-B8BA-B0FA257FFDF4}" type="datetime1">
               <a:rPr lang="fr-FR" smtClean="0"/>
               <a:t>08/06/2023</a:t>
             </a:fld>
@@ -1582,7 +1775,7 @@
           <a:bodyPr/>
           <a:lstStyle/>
           <a:p>
-            <a:fld id="{8E6F23EA-3A53-46FC-AE35-949985A9B478}" type="datetimeFigureOut">
+            <a:fld id="{2EEFED43-697E-4404-8519-8D52812A1CAE}" type="datetime1">
               <a:rPr lang="fr-FR" smtClean="0"/>
               <a:t>08/06/2023</a:t>
             </a:fld>
@@ -1847,7 +2040,7 @@
           <a:bodyPr/>
           <a:lstStyle/>
           <a:p>
-            <a:fld id="{8E6F23EA-3A53-46FC-AE35-949985A9B478}" type="datetimeFigureOut">
+            <a:fld id="{4A1CCAD6-E857-4CB4-B85B-BD0242F7174E}" type="datetime1">
               <a:rPr lang="fr-FR" smtClean="0"/>
               <a:t>08/06/2023</a:t>
             </a:fld>
@@ -2259,7 +2452,7 @@
           <a:bodyPr/>
           <a:lstStyle/>
           <a:p>
-            <a:fld id="{8E6F23EA-3A53-46FC-AE35-949985A9B478}" type="datetimeFigureOut">
+            <a:fld id="{84E609A8-09C3-4E63-A7D9-F83FC43E738E}" type="datetime1">
               <a:rPr lang="fr-FR" smtClean="0"/>
               <a:t>08/06/2023</a:t>
             </a:fld>
@@ -2400,7 +2593,7 @@
           <a:bodyPr/>
           <a:lstStyle/>
           <a:p>
-            <a:fld id="{8E6F23EA-3A53-46FC-AE35-949985A9B478}" type="datetimeFigureOut">
+            <a:fld id="{75E60C46-0E8D-405F-A4F4-84AA17F2FE63}" type="datetime1">
               <a:rPr lang="fr-FR" smtClean="0"/>
               <a:t>08/06/2023</a:t>
             </a:fld>
@@ -2513,7 +2706,7 @@
           <a:bodyPr/>
           <a:lstStyle/>
           <a:p>
-            <a:fld id="{8E6F23EA-3A53-46FC-AE35-949985A9B478}" type="datetimeFigureOut">
+            <a:fld id="{C47DDB9C-EFDE-4DCC-BED5-704AE717983A}" type="datetime1">
               <a:rPr lang="fr-FR" smtClean="0"/>
               <a:t>08/06/2023</a:t>
             </a:fld>
@@ -2824,7 +3017,7 @@
           <a:bodyPr/>
           <a:lstStyle/>
           <a:p>
-            <a:fld id="{8E6F23EA-3A53-46FC-AE35-949985A9B478}" type="datetimeFigureOut">
+            <a:fld id="{2814A5A9-E6F0-4B6B-86BB-37191FEFE6B2}" type="datetime1">
               <a:rPr lang="fr-FR" smtClean="0"/>
               <a:t>08/06/2023</a:t>
             </a:fld>
@@ -3112,7 +3305,7 @@
           <a:bodyPr/>
           <a:lstStyle/>
           <a:p>
-            <a:fld id="{8E6F23EA-3A53-46FC-AE35-949985A9B478}" type="datetimeFigureOut">
+            <a:fld id="{E8789E17-B813-4D98-91F0-C39460B87965}" type="datetime1">
               <a:rPr lang="fr-FR" smtClean="0"/>
               <a:t>08/06/2023</a:t>
             </a:fld>
@@ -3353,7 +3546,7 @@
             </a:lvl1pPr>
           </a:lstStyle>
           <a:p>
-            <a:fld id="{8E6F23EA-3A53-46FC-AE35-949985A9B478}" type="datetimeFigureOut">
+            <a:fld id="{D7E7D4C0-0846-413D-A4B4-5B0F83A24C43}" type="datetime1">
               <a:rPr lang="fr-FR" smtClean="0"/>
               <a:t>08/06/2023</a:t>
             </a:fld>
@@ -3472,6 +3665,7 @@
     <p:sldLayoutId id="2147483658" r:id="rId10"/>
     <p:sldLayoutId id="2147483659" r:id="rId11"/>
   </p:sldLayoutIdLst>
+  <p:hf hdr="0" ftr="0" dt="0"/>
   <p:txStyles>
     <p:titleStyle>
       <a:lvl1pPr algn="l" defTabSz="914400" rtl="0" eaLnBrk="1" latinLnBrk="0" hangingPunct="1">
@@ -3774,10 +3968,10 @@
       </p:grpSpPr>
       <p:sp>
         <p:nvSpPr>
-          <p:cNvPr id="2" name="Rectangle 1">
-            <a:extLst>
-              <a:ext uri="{FF2B5EF4-FFF2-40B4-BE49-F238E27FC236}">
-                <a16:creationId xmlns:a16="http://schemas.microsoft.com/office/drawing/2014/main" id="{AA340741-DD4B-107E-2065-BA1879EC3A2D}"/>
+          <p:cNvPr id="5" name="Rectangle 4">
+            <a:extLst>
+              <a:ext uri="{FF2B5EF4-FFF2-40B4-BE49-F238E27FC236}">
+                <a16:creationId xmlns:a16="http://schemas.microsoft.com/office/drawing/2014/main" id="{0CE83123-D9DB-2593-2101-969DC30AA6D9}"/>
               </a:ext>
             </a:extLst>
           </p:cNvPr>
@@ -3786,8 +3980,8 @@
         </p:nvSpPr>
         <p:spPr>
           <a:xfrm>
-            <a:off x="5812971" y="0"/>
-            <a:ext cx="6379029" cy="6858000"/>
+            <a:off x="1" y="0"/>
+            <a:ext cx="6096000" cy="6858000"/>
           </a:xfrm>
           <a:prstGeom prst="rect">
             <a:avLst/>
@@ -3826,10 +4020,10 @@
       </p:sp>
       <p:sp>
         <p:nvSpPr>
-          <p:cNvPr id="5" name="ZoneTexte 4">
-            <a:extLst>
-              <a:ext uri="{FF2B5EF4-FFF2-40B4-BE49-F238E27FC236}">
-                <a16:creationId xmlns:a16="http://schemas.microsoft.com/office/drawing/2014/main" id="{89149DEA-46F3-41DE-0260-E5BCEAD8DC09}"/>
+          <p:cNvPr id="7" name="ZoneTexte 6">
+            <a:extLst>
+              <a:ext uri="{FF2B5EF4-FFF2-40B4-BE49-F238E27FC236}">
+                <a16:creationId xmlns:a16="http://schemas.microsoft.com/office/drawing/2014/main" id="{ADB46FB9-6F6C-BC1D-265B-F590C02677F7}"/>
               </a:ext>
             </a:extLst>
           </p:cNvPr>
@@ -3838,8 +4032,8 @@
         </p:nvSpPr>
         <p:spPr>
           <a:xfrm>
-            <a:off x="3463077" y="3167390"/>
-            <a:ext cx="6379028" cy="523220"/>
+            <a:off x="7529027" y="2598003"/>
+            <a:ext cx="2818622" cy="830997"/>
           </a:xfrm>
           <a:prstGeom prst="rect">
             <a:avLst/>
@@ -3853,44 +4047,290 @@
           <a:lstStyle/>
           <a:p>
             <a:r>
-              <a:rPr lang="fr-FR" sz="2800" dirty="0">
-                <a:solidFill>
-                  <a:srgbClr val="29077D"/>
-                </a:solidFill>
-              </a:rPr>
-              <a:t>PROJET INFRA S</a:t>
-            </a:r>
-            <a:r>
-              <a:rPr lang="fr-FR" sz="2800" dirty="0">
+              <a:rPr lang="fr-FR" sz="4800" dirty="0"/>
+              <a:t>Sommaire</a:t>
+            </a:r>
+          </a:p>
+        </p:txBody>
+      </p:sp>
+      <p:sp>
+        <p:nvSpPr>
+          <p:cNvPr id="8" name="ZoneTexte 7">
+            <a:extLst>
+              <a:ext uri="{FF2B5EF4-FFF2-40B4-BE49-F238E27FC236}">
+                <a16:creationId xmlns:a16="http://schemas.microsoft.com/office/drawing/2014/main" id="{EB382FE4-4105-E929-2653-E80C0AC60A70}"/>
+              </a:ext>
+            </a:extLst>
+          </p:cNvPr>
+          <p:cNvSpPr txBox="1"/>
+          <p:nvPr/>
+        </p:nvSpPr>
+        <p:spPr>
+          <a:xfrm>
+            <a:off x="1991699" y="354563"/>
+            <a:ext cx="3130807" cy="6801862"/>
+          </a:xfrm>
+          <a:prstGeom prst="rect">
+            <a:avLst/>
+          </a:prstGeom>
+          <a:noFill/>
+        </p:spPr>
+        <p:txBody>
+          <a:bodyPr wrap="square" rtlCol="0">
+            <a:spAutoFit/>
+          </a:bodyPr>
+          <a:lstStyle/>
+          <a:p>
+            <a:r>
+              <a:rPr lang="fr-FR" sz="1600" dirty="0">
                 <a:solidFill>
                   <a:schemeClr val="bg1"/>
                 </a:solidFill>
               </a:rPr>
-              <a:t>I</a:t>
-            </a:r>
-            <a:r>
-              <a:rPr lang="fr-FR" sz="2800" dirty="0">
-                <a:solidFill>
-                  <a:srgbClr val="29077D"/>
-                </a:solidFill>
-              </a:rPr>
-              <a:t> </a:t>
-            </a:r>
-            <a:r>
-              <a:rPr lang="fr-FR" sz="2800" dirty="0">
+              <a:t>-Présentation du projet</a:t>
+            </a:r>
+          </a:p>
+          <a:p>
+            <a:endParaRPr lang="fr-FR" sz="1600" dirty="0">
+              <a:solidFill>
+                <a:schemeClr val="bg1"/>
+              </a:solidFill>
+            </a:endParaRPr>
+          </a:p>
+          <a:p>
+            <a:endParaRPr lang="fr-FR" sz="1600" dirty="0">
+              <a:solidFill>
+                <a:schemeClr val="bg1"/>
+              </a:solidFill>
+            </a:endParaRPr>
+          </a:p>
+          <a:p>
+            <a:r>
+              <a:rPr lang="fr-FR" sz="1600" dirty="0">
                 <a:solidFill>
                   <a:schemeClr val="bg1"/>
                 </a:solidFill>
               </a:rPr>
-              <a:t>B1 INFORMATIQUE</a:t>
-            </a:r>
+              <a:t>-Technologie</a:t>
+            </a:r>
+          </a:p>
+          <a:p>
+            <a:endParaRPr lang="fr-FR" sz="1600" dirty="0">
+              <a:solidFill>
+                <a:schemeClr val="bg1"/>
+              </a:solidFill>
+            </a:endParaRPr>
+          </a:p>
+          <a:p>
+            <a:endParaRPr lang="fr-FR" sz="1600" dirty="0">
+              <a:solidFill>
+                <a:schemeClr val="bg1"/>
+              </a:solidFill>
+            </a:endParaRPr>
+          </a:p>
+          <a:p>
+            <a:r>
+              <a:rPr lang="fr-FR" sz="1600" dirty="0">
+                <a:solidFill>
+                  <a:schemeClr val="bg1"/>
+                </a:solidFill>
+              </a:rPr>
+              <a:t>-Schéma</a:t>
+            </a:r>
+          </a:p>
+          <a:p>
+            <a:endParaRPr lang="fr-FR" sz="1600" dirty="0">
+              <a:solidFill>
+                <a:schemeClr val="bg1"/>
+              </a:solidFill>
+            </a:endParaRPr>
+          </a:p>
+          <a:p>
+            <a:endParaRPr lang="fr-FR" sz="1600" dirty="0">
+              <a:solidFill>
+                <a:schemeClr val="bg1"/>
+              </a:solidFill>
+            </a:endParaRPr>
+          </a:p>
+          <a:p>
+            <a:r>
+              <a:rPr lang="fr-FR" sz="1600" dirty="0">
+                <a:solidFill>
+                  <a:schemeClr val="bg1"/>
+                </a:solidFill>
+              </a:rPr>
+              <a:t>-Plan d’adressage</a:t>
+            </a:r>
+          </a:p>
+          <a:p>
+            <a:endParaRPr lang="fr-FR" sz="1600" dirty="0">
+              <a:solidFill>
+                <a:schemeClr val="bg1"/>
+              </a:solidFill>
+            </a:endParaRPr>
+          </a:p>
+          <a:p>
+            <a:endParaRPr lang="fr-FR" sz="1600" dirty="0">
+              <a:solidFill>
+                <a:schemeClr val="bg1"/>
+              </a:solidFill>
+            </a:endParaRPr>
+          </a:p>
+          <a:p>
+            <a:r>
+              <a:rPr lang="fr-FR" sz="1600" dirty="0">
+                <a:solidFill>
+                  <a:schemeClr val="bg1"/>
+                </a:solidFill>
+              </a:rPr>
+              <a:t>-Maquettes fonctionnel </a:t>
+            </a:r>
+          </a:p>
+          <a:p>
+            <a:endParaRPr lang="fr-FR" sz="1600" dirty="0">
+              <a:solidFill>
+                <a:schemeClr val="bg1"/>
+              </a:solidFill>
+            </a:endParaRPr>
+          </a:p>
+          <a:p>
+            <a:endParaRPr lang="fr-FR" sz="1600" dirty="0">
+              <a:solidFill>
+                <a:schemeClr val="bg1"/>
+              </a:solidFill>
+            </a:endParaRPr>
+          </a:p>
+          <a:p>
+            <a:r>
+              <a:rPr lang="fr-FR" sz="1600" dirty="0">
+                <a:solidFill>
+                  <a:schemeClr val="bg1"/>
+                </a:solidFill>
+              </a:rPr>
+              <a:t>-Routeur</a:t>
+            </a:r>
+          </a:p>
+          <a:p>
+            <a:endParaRPr lang="fr-FR" sz="1600" dirty="0">
+              <a:solidFill>
+                <a:schemeClr val="bg1"/>
+              </a:solidFill>
+            </a:endParaRPr>
+          </a:p>
+          <a:p>
+            <a:endParaRPr lang="fr-FR" sz="1600" dirty="0">
+              <a:solidFill>
+                <a:schemeClr val="bg1"/>
+              </a:solidFill>
+            </a:endParaRPr>
+          </a:p>
+          <a:p>
+            <a:r>
+              <a:rPr lang="fr-FR" sz="1600" dirty="0">
+                <a:solidFill>
+                  <a:schemeClr val="bg1"/>
+                </a:solidFill>
+              </a:rPr>
+              <a:t>-Sécurité</a:t>
+            </a:r>
+          </a:p>
+          <a:p>
+            <a:endParaRPr lang="fr-FR" sz="1600" dirty="0">
+              <a:solidFill>
+                <a:schemeClr val="bg1"/>
+              </a:solidFill>
+            </a:endParaRPr>
+          </a:p>
+          <a:p>
+            <a:endParaRPr lang="fr-FR" sz="1600" dirty="0">
+              <a:solidFill>
+                <a:schemeClr val="bg1"/>
+              </a:solidFill>
+            </a:endParaRPr>
+          </a:p>
+          <a:p>
+            <a:r>
+              <a:rPr lang="fr-FR" sz="1600" dirty="0">
+                <a:solidFill>
+                  <a:schemeClr val="bg1"/>
+                </a:solidFill>
+              </a:rPr>
+              <a:t>-Amélioration possible</a:t>
+            </a:r>
+          </a:p>
+          <a:p>
+            <a:endParaRPr lang="fr-FR" sz="1600" dirty="0">
+              <a:solidFill>
+                <a:schemeClr val="bg1"/>
+              </a:solidFill>
+            </a:endParaRPr>
+          </a:p>
+          <a:p>
+            <a:endParaRPr lang="fr-FR" sz="1600" dirty="0">
+              <a:solidFill>
+                <a:schemeClr val="bg1"/>
+              </a:solidFill>
+            </a:endParaRPr>
+          </a:p>
+          <a:p>
+            <a:r>
+              <a:rPr lang="fr-FR" sz="1600" dirty="0">
+                <a:solidFill>
+                  <a:schemeClr val="bg1"/>
+                </a:solidFill>
+              </a:rPr>
+              <a:t>-Conclusion</a:t>
+            </a:r>
+          </a:p>
+          <a:p>
+            <a:endParaRPr lang="fr-FR" dirty="0">
+              <a:solidFill>
+                <a:schemeClr val="bg1"/>
+              </a:solidFill>
+            </a:endParaRPr>
+          </a:p>
+          <a:p>
+            <a:endParaRPr lang="fr-FR" dirty="0">
+              <a:solidFill>
+                <a:schemeClr val="bg1"/>
+              </a:solidFill>
+            </a:endParaRPr>
+          </a:p>
+        </p:txBody>
+      </p:sp>
+      <p:sp>
+        <p:nvSpPr>
+          <p:cNvPr id="10" name="Espace réservé du numéro de diapositive 9">
+            <a:extLst>
+              <a:ext uri="{FF2B5EF4-FFF2-40B4-BE49-F238E27FC236}">
+                <a16:creationId xmlns:a16="http://schemas.microsoft.com/office/drawing/2014/main" id="{FDFB20CB-848A-C379-6903-FAFB3267E908}"/>
+              </a:ext>
+            </a:extLst>
+          </p:cNvPr>
+          <p:cNvSpPr>
+            <a:spLocks noGrp="1"/>
+          </p:cNvSpPr>
+          <p:nvPr>
+            <p:ph type="sldNum" sz="quarter" idx="12"/>
+          </p:nvPr>
+        </p:nvSpPr>
+        <p:spPr/>
+        <p:txBody>
+          <a:bodyPr/>
+          <a:lstStyle/>
+          <a:p>
+            <a:fld id="{08BA99BA-266B-4387-B2FD-0601F956CE29}" type="slidenum">
+              <a:rPr lang="fr-FR" smtClean="0"/>
+              <a:t>1</a:t>
+            </a:fld>
+            <a:endParaRPr lang="fr-FR"/>
           </a:p>
         </p:txBody>
       </p:sp>
     </p:spTree>
     <p:extLst>
       <p:ext uri="{BB962C8B-B14F-4D97-AF65-F5344CB8AC3E}">
-        <p14:creationId xmlns:p14="http://schemas.microsoft.com/office/powerpoint/2010/main" val="3618676698"/>
+        <p14:creationId xmlns:p14="http://schemas.microsoft.com/office/powerpoint/2010/main" val="2045277705"/>
       </p:ext>
     </p:extLst>
   </p:cSld>
@@ -3934,212 +4374,6 @@
           <p:cNvPr id="4" name="Rectangle 3">
             <a:extLst>
               <a:ext uri="{FF2B5EF4-FFF2-40B4-BE49-F238E27FC236}">
-                <a16:creationId xmlns:a16="http://schemas.microsoft.com/office/drawing/2014/main" id="{3A018A47-92E0-9590-5520-F0037EB37675}"/>
-              </a:ext>
-            </a:extLst>
-          </p:cNvPr>
-          <p:cNvSpPr/>
-          <p:nvPr/>
-        </p:nvSpPr>
-        <p:spPr>
-          <a:xfrm>
-            <a:off x="0" y="0"/>
-            <a:ext cx="12192000" cy="3429001"/>
-          </a:xfrm>
-          <a:prstGeom prst="rect">
-            <a:avLst/>
-          </a:prstGeom>
-          <a:solidFill>
-            <a:srgbClr val="29077D"/>
-          </a:solidFill>
-          <a:ln>
-            <a:noFill/>
-          </a:ln>
-        </p:spPr>
-        <p:style>
-          <a:lnRef idx="2">
-            <a:schemeClr val="accent1">
-              <a:shade val="15000"/>
-            </a:schemeClr>
-          </a:lnRef>
-          <a:fillRef idx="1">
-            <a:schemeClr val="accent1"/>
-          </a:fillRef>
-          <a:effectRef idx="0">
-            <a:schemeClr val="accent1"/>
-          </a:effectRef>
-          <a:fontRef idx="minor">
-            <a:schemeClr val="lt1"/>
-          </a:fontRef>
-        </p:style>
-        <p:txBody>
-          <a:bodyPr rtlCol="0" anchor="ctr"/>
-          <a:lstStyle/>
-          <a:p>
-            <a:pPr algn="ctr"/>
-            <a:endParaRPr lang="fr-FR"/>
-          </a:p>
-        </p:txBody>
-      </p:sp>
-      <p:sp>
-        <p:nvSpPr>
-          <p:cNvPr id="2" name="Titre 1">
-            <a:extLst>
-              <a:ext uri="{FF2B5EF4-FFF2-40B4-BE49-F238E27FC236}">
-                <a16:creationId xmlns:a16="http://schemas.microsoft.com/office/drawing/2014/main" id="{8131389F-F8E7-0299-13BE-21286F87B6D8}"/>
-              </a:ext>
-            </a:extLst>
-          </p:cNvPr>
-          <p:cNvSpPr>
-            <a:spLocks noGrp="1"/>
-          </p:cNvSpPr>
-          <p:nvPr>
-            <p:ph type="title"/>
-          </p:nvPr>
-        </p:nvSpPr>
-        <p:spPr>
-          <a:xfrm>
-            <a:off x="3246672" y="388937"/>
-            <a:ext cx="5698655" cy="1325563"/>
-          </a:xfrm>
-        </p:spPr>
-        <p:txBody>
-          <a:bodyPr/>
-          <a:lstStyle/>
-          <a:p>
-            <a:r>
-              <a:rPr lang="fr-FR" dirty="0">
-                <a:solidFill>
-                  <a:schemeClr val="bg1"/>
-                </a:solidFill>
-              </a:rPr>
-              <a:t>Amélioration possible</a:t>
-            </a:r>
-          </a:p>
-        </p:txBody>
-      </p:sp>
-      <p:sp>
-        <p:nvSpPr>
-          <p:cNvPr id="3" name="Espace réservé du contenu 2">
-            <a:extLst>
-              <a:ext uri="{FF2B5EF4-FFF2-40B4-BE49-F238E27FC236}">
-                <a16:creationId xmlns:a16="http://schemas.microsoft.com/office/drawing/2014/main" id="{F60E2FE4-6DAE-1FA0-D6A4-56A126D3E97B}"/>
-              </a:ext>
-            </a:extLst>
-          </p:cNvPr>
-          <p:cNvSpPr>
-            <a:spLocks noGrp="1"/>
-          </p:cNvSpPr>
-          <p:nvPr>
-            <p:ph idx="1"/>
-          </p:nvPr>
-        </p:nvSpPr>
-        <p:spPr>
-          <a:xfrm>
-            <a:off x="1549952" y="4024641"/>
-            <a:ext cx="1696720" cy="631524"/>
-          </a:xfrm>
-        </p:spPr>
-        <p:txBody>
-          <a:bodyPr/>
-          <a:lstStyle/>
-          <a:p>
-            <a:r>
-              <a:rPr lang="fr-FR" dirty="0"/>
-              <a:t>Réseau</a:t>
-            </a:r>
-          </a:p>
-          <a:p>
-            <a:endParaRPr lang="fr-FR" dirty="0"/>
-          </a:p>
-        </p:txBody>
-      </p:sp>
-      <p:sp>
-        <p:nvSpPr>
-          <p:cNvPr id="5" name="ZoneTexte 4">
-            <a:extLst>
-              <a:ext uri="{FF2B5EF4-FFF2-40B4-BE49-F238E27FC236}">
-                <a16:creationId xmlns:a16="http://schemas.microsoft.com/office/drawing/2014/main" id="{0D686405-6197-734E-9AAF-531274019FD3}"/>
-              </a:ext>
-            </a:extLst>
-          </p:cNvPr>
-          <p:cNvSpPr txBox="1"/>
-          <p:nvPr/>
-        </p:nvSpPr>
-        <p:spPr>
-          <a:xfrm>
-            <a:off x="8803311" y="4024641"/>
-            <a:ext cx="1838737" cy="523220"/>
-          </a:xfrm>
-          <a:prstGeom prst="rect">
-            <a:avLst/>
-          </a:prstGeom>
-          <a:noFill/>
-        </p:spPr>
-        <p:txBody>
-          <a:bodyPr wrap="square" rtlCol="0">
-            <a:spAutoFit/>
-          </a:bodyPr>
-          <a:lstStyle/>
-          <a:p>
-            <a:pPr marL="457200" indent="-457200">
-              <a:buFont typeface="Arial" panose="020B0604020202020204" pitchFamily="34" charset="0"/>
-              <a:buChar char="•"/>
-            </a:pPr>
-            <a:r>
-              <a:rPr lang="fr-FR" sz="2800" dirty="0"/>
-              <a:t>Sécurité</a:t>
-            </a:r>
-          </a:p>
-        </p:txBody>
-      </p:sp>
-    </p:spTree>
-    <p:extLst>
-      <p:ext uri="{BB962C8B-B14F-4D97-AF65-F5344CB8AC3E}">
-        <p14:creationId xmlns:p14="http://schemas.microsoft.com/office/powerpoint/2010/main" val="2915149297"/>
-      </p:ext>
-    </p:extLst>
-  </p:cSld>
-  <p:clrMapOvr>
-    <a:masterClrMapping/>
-  </p:clrMapOvr>
-  <mc:AlternateContent xmlns:mc="http://schemas.openxmlformats.org/markup-compatibility/2006">
-    <mc:Choice xmlns:p159="http://schemas.microsoft.com/office/powerpoint/2015/09/main" Requires="p159">
-      <p:transition xmlns:p14="http://schemas.microsoft.com/office/powerpoint/2010/main" spd="slow" p14:dur="2000">
-        <p159:morph option="byObject"/>
-      </p:transition>
-    </mc:Choice>
-    <mc:Fallback>
-      <p:transition spd="slow">
-        <p:fade/>
-      </p:transition>
-    </mc:Fallback>
-  </mc:AlternateContent>
-</p:sld>
-</file>
-
-<file path=ppt/slides/slide11.xml><?xml version="1.0" encoding="utf-8"?>
-<p:sld xmlns:a="http://schemas.openxmlformats.org/drawingml/2006/main" xmlns:r="http://schemas.openxmlformats.org/officeDocument/2006/relationships" xmlns:p="http://schemas.openxmlformats.org/presentationml/2006/main">
-  <p:cSld>
-    <p:spTree>
-      <p:nvGrpSpPr>
-        <p:cNvPr id="1" name=""/>
-        <p:cNvGrpSpPr/>
-        <p:nvPr/>
-      </p:nvGrpSpPr>
-      <p:grpSpPr>
-        <a:xfrm>
-          <a:off x="0" y="0"/>
-          <a:ext cx="0" cy="0"/>
-          <a:chOff x="0" y="0"/>
-          <a:chExt cx="0" cy="0"/>
-        </a:xfrm>
-      </p:grpSpPr>
-      <p:sp>
-        <p:nvSpPr>
-          <p:cNvPr id="4" name="Rectangle 3">
-            <a:extLst>
-              <a:ext uri="{FF2B5EF4-FFF2-40B4-BE49-F238E27FC236}">
                 <a16:creationId xmlns:a16="http://schemas.microsoft.com/office/drawing/2014/main" id="{9CF908CE-6446-1C53-C6C9-69BD3F309886}"/>
               </a:ext>
             </a:extLst>
@@ -4205,7 +4439,7 @@
         </p:nvSpPr>
         <p:spPr>
           <a:xfrm>
-            <a:off x="4555435" y="2766218"/>
+            <a:off x="4367143" y="2766218"/>
             <a:ext cx="3457714" cy="1325563"/>
           </a:xfrm>
         </p:spPr>
@@ -4221,6 +4455,35 @@
               </a:rPr>
               <a:t>Conclusion</a:t>
             </a:r>
+          </a:p>
+        </p:txBody>
+      </p:sp>
+      <p:sp>
+        <p:nvSpPr>
+          <p:cNvPr id="6" name="Espace réservé du numéro de diapositive 5">
+            <a:extLst>
+              <a:ext uri="{FF2B5EF4-FFF2-40B4-BE49-F238E27FC236}">
+                <a16:creationId xmlns:a16="http://schemas.microsoft.com/office/drawing/2014/main" id="{93BB954B-90F2-2F67-B6FC-44F801968CAE}"/>
+              </a:ext>
+            </a:extLst>
+          </p:cNvPr>
+          <p:cNvSpPr>
+            <a:spLocks noGrp="1"/>
+          </p:cNvSpPr>
+          <p:nvPr>
+            <p:ph type="sldNum" sz="quarter" idx="12"/>
+          </p:nvPr>
+        </p:nvSpPr>
+        <p:spPr/>
+        <p:txBody>
+          <a:bodyPr/>
+          <a:lstStyle/>
+          <a:p>
+            <a:fld id="{08BA99BA-266B-4387-B2FD-0601F956CE29}" type="slidenum">
+              <a:rPr lang="fr-FR" smtClean="0"/>
+              <a:t>10</a:t>
+            </a:fld>
+            <a:endParaRPr lang="fr-FR"/>
           </a:p>
         </p:txBody>
       </p:sp>
@@ -4268,10 +4531,10 @@
       </p:grpSpPr>
       <p:sp>
         <p:nvSpPr>
-          <p:cNvPr id="5" name="Rectangle 4">
-            <a:extLst>
-              <a:ext uri="{FF2B5EF4-FFF2-40B4-BE49-F238E27FC236}">
-                <a16:creationId xmlns:a16="http://schemas.microsoft.com/office/drawing/2014/main" id="{0CE83123-D9DB-2593-2101-969DC30AA6D9}"/>
+          <p:cNvPr id="7" name="Rectangle 6">
+            <a:extLst>
+              <a:ext uri="{FF2B5EF4-FFF2-40B4-BE49-F238E27FC236}">
+                <a16:creationId xmlns:a16="http://schemas.microsoft.com/office/drawing/2014/main" id="{D3598EE7-3987-6B52-7386-FC3B5346B5E9}"/>
               </a:ext>
             </a:extLst>
           </p:cNvPr>
@@ -4280,8 +4543,8 @@
         </p:nvSpPr>
         <p:spPr>
           <a:xfrm>
-            <a:off x="0" y="0"/>
-            <a:ext cx="6379029" cy="6858000"/>
+            <a:off x="0" y="-1"/>
+            <a:ext cx="12192000" cy="3429001"/>
           </a:xfrm>
           <a:prstGeom prst="rect">
             <a:avLst/>
@@ -4320,10 +4583,10 @@
       </p:sp>
       <p:sp>
         <p:nvSpPr>
-          <p:cNvPr id="7" name="ZoneTexte 6">
-            <a:extLst>
-              <a:ext uri="{FF2B5EF4-FFF2-40B4-BE49-F238E27FC236}">
-                <a16:creationId xmlns:a16="http://schemas.microsoft.com/office/drawing/2014/main" id="{ADB46FB9-6F6C-BC1D-265B-F590C02677F7}"/>
+          <p:cNvPr id="5" name="ZoneTexte 4">
+            <a:extLst>
+              <a:ext uri="{FF2B5EF4-FFF2-40B4-BE49-F238E27FC236}">
+                <a16:creationId xmlns:a16="http://schemas.microsoft.com/office/drawing/2014/main" id="{C3114302-FA7F-C4BE-FFF5-177C594D1FEE}"/>
               </a:ext>
             </a:extLst>
           </p:cNvPr>
@@ -4332,8 +4595,8 @@
         </p:nvSpPr>
         <p:spPr>
           <a:xfrm>
-            <a:off x="7529027" y="2598003"/>
-            <a:ext cx="2818622" cy="830997"/>
+            <a:off x="4583275" y="1177803"/>
+            <a:ext cx="3025450" cy="646331"/>
           </a:xfrm>
           <a:prstGeom prst="rect">
             <a:avLst/>
@@ -4347,18 +4610,22 @@
           <a:lstStyle/>
           <a:p>
             <a:r>
-              <a:rPr lang="fr-FR" sz="4800" dirty="0"/>
-              <a:t>Sommaire</a:t>
-            </a:r>
-          </a:p>
-        </p:txBody>
-      </p:sp>
-      <p:sp>
-        <p:nvSpPr>
-          <p:cNvPr id="8" name="ZoneTexte 7">
-            <a:extLst>
-              <a:ext uri="{FF2B5EF4-FFF2-40B4-BE49-F238E27FC236}">
-                <a16:creationId xmlns:a16="http://schemas.microsoft.com/office/drawing/2014/main" id="{EB382FE4-4105-E929-2653-E80C0AC60A70}"/>
+              <a:rPr lang="fr-FR" sz="3600" dirty="0">
+                <a:solidFill>
+                  <a:schemeClr val="bg1"/>
+                </a:solidFill>
+              </a:rPr>
+              <a:t>Projet Routeur:</a:t>
+            </a:r>
+          </a:p>
+        </p:txBody>
+      </p:sp>
+      <p:sp>
+        <p:nvSpPr>
+          <p:cNvPr id="6" name="ZoneTexte 5">
+            <a:extLst>
+              <a:ext uri="{FF2B5EF4-FFF2-40B4-BE49-F238E27FC236}">
+                <a16:creationId xmlns:a16="http://schemas.microsoft.com/office/drawing/2014/main" id="{5CFA33DE-C6D8-0580-E902-014FDE1A174A}"/>
               </a:ext>
             </a:extLst>
           </p:cNvPr>
@@ -4367,8 +4634,8 @@
         </p:nvSpPr>
         <p:spPr>
           <a:xfrm>
-            <a:off x="1991699" y="354563"/>
-            <a:ext cx="3130807" cy="6801862"/>
+            <a:off x="3890476" y="3899433"/>
+            <a:ext cx="7436498" cy="2246769"/>
           </a:xfrm>
           <a:prstGeom prst="rect">
             <a:avLst/>
@@ -4382,226 +4649,83 @@
           <a:lstStyle/>
           <a:p>
             <a:r>
-              <a:rPr lang="fr-FR" sz="1600" dirty="0">
+              <a:rPr lang="fr-FR" sz="2800" dirty="0">
                 <a:solidFill>
-                  <a:schemeClr val="bg1"/>
+                  <a:srgbClr val="29077D"/>
                 </a:solidFill>
               </a:rPr>
-              <a:t>-Présentation du projet</a:t>
-            </a:r>
-          </a:p>
-          <a:p>
-            <a:endParaRPr lang="fr-FR" sz="1600" dirty="0">
+              <a:t>Mise en place d’un routeur</a:t>
+            </a:r>
+          </a:p>
+          <a:p>
+            <a:endParaRPr lang="fr-FR" sz="2800" dirty="0">
               <a:solidFill>
-                <a:schemeClr val="bg1"/>
+                <a:srgbClr val="29077D"/>
               </a:solidFill>
             </a:endParaRPr>
           </a:p>
           <a:p>
-            <a:endParaRPr lang="fr-FR" sz="1600" dirty="0">
+            <a:r>
+              <a:rPr lang="fr-FR" sz="2800" dirty="0">
+                <a:solidFill>
+                  <a:srgbClr val="29077D"/>
+                </a:solidFill>
+              </a:rPr>
+              <a:t>Gestion de différents réseaux </a:t>
+            </a:r>
+          </a:p>
+          <a:p>
+            <a:endParaRPr lang="fr-FR" sz="2800" dirty="0">
               <a:solidFill>
-                <a:schemeClr val="bg1"/>
+                <a:srgbClr val="29077D"/>
               </a:solidFill>
             </a:endParaRPr>
           </a:p>
           <a:p>
             <a:r>
-              <a:rPr lang="fr-FR" sz="1600" dirty="0">
+              <a:rPr lang="fr-FR" sz="2800" dirty="0">
                 <a:solidFill>
-                  <a:schemeClr val="bg1"/>
+                  <a:srgbClr val="29077D"/>
                 </a:solidFill>
               </a:rPr>
-              <a:t>-Technologie</a:t>
-            </a:r>
-          </a:p>
-          <a:p>
-            <a:endParaRPr lang="fr-FR" sz="1600" dirty="0">
-              <a:solidFill>
-                <a:schemeClr val="bg1"/>
-              </a:solidFill>
-            </a:endParaRPr>
-          </a:p>
-          <a:p>
-            <a:endParaRPr lang="fr-FR" sz="1600" dirty="0">
-              <a:solidFill>
-                <a:schemeClr val="bg1"/>
-              </a:solidFill>
-            </a:endParaRPr>
-          </a:p>
-          <a:p>
-            <a:r>
-              <a:rPr lang="fr-FR" sz="1600" dirty="0">
-                <a:solidFill>
-                  <a:schemeClr val="bg1"/>
-                </a:solidFill>
-              </a:rPr>
-              <a:t>-Schéma</a:t>
-            </a:r>
-          </a:p>
-          <a:p>
-            <a:endParaRPr lang="fr-FR" sz="1600" dirty="0">
-              <a:solidFill>
-                <a:schemeClr val="bg1"/>
-              </a:solidFill>
-            </a:endParaRPr>
-          </a:p>
-          <a:p>
-            <a:endParaRPr lang="fr-FR" sz="1600" dirty="0">
-              <a:solidFill>
-                <a:schemeClr val="bg1"/>
-              </a:solidFill>
-            </a:endParaRPr>
-          </a:p>
-          <a:p>
-            <a:r>
-              <a:rPr lang="fr-FR" sz="1600" dirty="0">
-                <a:solidFill>
-                  <a:schemeClr val="bg1"/>
-                </a:solidFill>
-              </a:rPr>
-              <a:t>-Plan d’adressage</a:t>
-            </a:r>
-          </a:p>
-          <a:p>
-            <a:endParaRPr lang="fr-FR" sz="1600" dirty="0">
-              <a:solidFill>
-                <a:schemeClr val="bg1"/>
-              </a:solidFill>
-            </a:endParaRPr>
-          </a:p>
-          <a:p>
-            <a:endParaRPr lang="fr-FR" sz="1600" dirty="0">
-              <a:solidFill>
-                <a:schemeClr val="bg1"/>
-              </a:solidFill>
-            </a:endParaRPr>
-          </a:p>
-          <a:p>
-            <a:r>
-              <a:rPr lang="fr-FR" sz="1600" dirty="0">
-                <a:solidFill>
-                  <a:schemeClr val="bg1"/>
-                </a:solidFill>
-              </a:rPr>
-              <a:t>-Maquettes fonctionnel </a:t>
-            </a:r>
-          </a:p>
-          <a:p>
-            <a:endParaRPr lang="fr-FR" sz="1600" dirty="0">
-              <a:solidFill>
-                <a:schemeClr val="bg1"/>
-              </a:solidFill>
-            </a:endParaRPr>
-          </a:p>
-          <a:p>
-            <a:endParaRPr lang="fr-FR" sz="1600" dirty="0">
-              <a:solidFill>
-                <a:schemeClr val="bg1"/>
-              </a:solidFill>
-            </a:endParaRPr>
-          </a:p>
-          <a:p>
-            <a:r>
-              <a:rPr lang="fr-FR" sz="1600" dirty="0">
-                <a:solidFill>
-                  <a:schemeClr val="bg1"/>
-                </a:solidFill>
-              </a:rPr>
-              <a:t>-Routeur</a:t>
-            </a:r>
-          </a:p>
-          <a:p>
-            <a:endParaRPr lang="fr-FR" sz="1600" dirty="0">
-              <a:solidFill>
-                <a:schemeClr val="bg1"/>
-              </a:solidFill>
-            </a:endParaRPr>
-          </a:p>
-          <a:p>
-            <a:endParaRPr lang="fr-FR" sz="1600" dirty="0">
-              <a:solidFill>
-                <a:schemeClr val="bg1"/>
-              </a:solidFill>
-            </a:endParaRPr>
-          </a:p>
-          <a:p>
-            <a:r>
-              <a:rPr lang="fr-FR" sz="1600" dirty="0">
-                <a:solidFill>
-                  <a:schemeClr val="bg1"/>
-                </a:solidFill>
-              </a:rPr>
-              <a:t>-Sécurité</a:t>
-            </a:r>
-          </a:p>
-          <a:p>
-            <a:endParaRPr lang="fr-FR" sz="1600" dirty="0">
-              <a:solidFill>
-                <a:schemeClr val="bg1"/>
-              </a:solidFill>
-            </a:endParaRPr>
-          </a:p>
-          <a:p>
-            <a:endParaRPr lang="fr-FR" sz="1600" dirty="0">
-              <a:solidFill>
-                <a:schemeClr val="bg1"/>
-              </a:solidFill>
-            </a:endParaRPr>
-          </a:p>
-          <a:p>
-            <a:r>
-              <a:rPr lang="fr-FR" sz="1600" dirty="0">
-                <a:solidFill>
-                  <a:schemeClr val="bg1"/>
-                </a:solidFill>
-              </a:rPr>
-              <a:t>-Amélioration possible</a:t>
-            </a:r>
-          </a:p>
-          <a:p>
-            <a:endParaRPr lang="fr-FR" sz="1600" dirty="0">
-              <a:solidFill>
-                <a:schemeClr val="bg1"/>
-              </a:solidFill>
-            </a:endParaRPr>
-          </a:p>
-          <a:p>
-            <a:endParaRPr lang="fr-FR" sz="1600" dirty="0">
-              <a:solidFill>
-                <a:schemeClr val="bg1"/>
-              </a:solidFill>
-            </a:endParaRPr>
-          </a:p>
-          <a:p>
-            <a:r>
-              <a:rPr lang="fr-FR" sz="1600" dirty="0">
-                <a:solidFill>
-                  <a:schemeClr val="bg1"/>
-                </a:solidFill>
-              </a:rPr>
-              <a:t>-Conclusion</a:t>
-            </a:r>
-          </a:p>
-          <a:p>
-            <a:endParaRPr lang="fr-FR" dirty="0">
-              <a:solidFill>
-                <a:schemeClr val="bg1"/>
-              </a:solidFill>
-            </a:endParaRPr>
-          </a:p>
-          <a:p>
-            <a:endParaRPr lang="fr-FR" dirty="0">
-              <a:solidFill>
-                <a:schemeClr val="bg1"/>
-              </a:solidFill>
-            </a:endParaRPr>
+              <a:t>Fonctionnalités supplémentaires </a:t>
+            </a:r>
+          </a:p>
+        </p:txBody>
+      </p:sp>
+      <p:sp>
+        <p:nvSpPr>
+          <p:cNvPr id="8" name="Espace réservé du numéro de diapositive 7">
+            <a:extLst>
+              <a:ext uri="{FF2B5EF4-FFF2-40B4-BE49-F238E27FC236}">
+                <a16:creationId xmlns:a16="http://schemas.microsoft.com/office/drawing/2014/main" id="{AE022A78-7033-B86C-D15E-35F7B8877966}"/>
+              </a:ext>
+            </a:extLst>
+          </p:cNvPr>
+          <p:cNvSpPr>
+            <a:spLocks noGrp="1"/>
+          </p:cNvSpPr>
+          <p:nvPr>
+            <p:ph type="sldNum" sz="quarter" idx="12"/>
+          </p:nvPr>
+        </p:nvSpPr>
+        <p:spPr/>
+        <p:txBody>
+          <a:bodyPr/>
+          <a:lstStyle/>
+          <a:p>
+            <a:fld id="{08BA99BA-266B-4387-B2FD-0601F956CE29}" type="slidenum">
+              <a:rPr lang="fr-FR" smtClean="0"/>
+              <a:t>2</a:t>
+            </a:fld>
+            <a:endParaRPr lang="fr-FR"/>
           </a:p>
         </p:txBody>
       </p:sp>
     </p:spTree>
     <p:extLst>
       <p:ext uri="{BB962C8B-B14F-4D97-AF65-F5344CB8AC3E}">
-        <p14:creationId xmlns:p14="http://schemas.microsoft.com/office/powerpoint/2010/main" val="2045277705"/>
+        <p14:creationId xmlns:p14="http://schemas.microsoft.com/office/powerpoint/2010/main" val="4147279874"/>
       </p:ext>
     </p:extLst>
   </p:cSld>
@@ -4642,10 +4766,45 @@
       </p:grpSpPr>
       <p:sp>
         <p:nvSpPr>
-          <p:cNvPr id="7" name="Rectangle 6">
-            <a:extLst>
-              <a:ext uri="{FF2B5EF4-FFF2-40B4-BE49-F238E27FC236}">
-                <a16:creationId xmlns:a16="http://schemas.microsoft.com/office/drawing/2014/main" id="{D3598EE7-3987-6B52-7386-FC3B5346B5E9}"/>
+          <p:cNvPr id="6" name="ZoneTexte 5">
+            <a:extLst>
+              <a:ext uri="{FF2B5EF4-FFF2-40B4-BE49-F238E27FC236}">
+                <a16:creationId xmlns:a16="http://schemas.microsoft.com/office/drawing/2014/main" id="{6D5ACF09-5C15-7F9B-9FDD-9A2AAABB23C2}"/>
+              </a:ext>
+            </a:extLst>
+          </p:cNvPr>
+          <p:cNvSpPr txBox="1"/>
+          <p:nvPr/>
+        </p:nvSpPr>
+        <p:spPr>
+          <a:xfrm>
+            <a:off x="3517640" y="477102"/>
+            <a:ext cx="7576457" cy="707886"/>
+          </a:xfrm>
+          <a:prstGeom prst="rect">
+            <a:avLst/>
+          </a:prstGeom>
+          <a:noFill/>
+        </p:spPr>
+        <p:txBody>
+          <a:bodyPr wrap="square" rtlCol="0">
+            <a:spAutoFit/>
+          </a:bodyPr>
+          <a:lstStyle/>
+          <a:p>
+            <a:r>
+              <a:rPr lang="fr-FR" sz="4000" dirty="0"/>
+              <a:t>Technologie</a:t>
+            </a:r>
+          </a:p>
+        </p:txBody>
+      </p:sp>
+      <p:sp>
+        <p:nvSpPr>
+          <p:cNvPr id="9" name="Rectangle 8">
+            <a:extLst>
+              <a:ext uri="{FF2B5EF4-FFF2-40B4-BE49-F238E27FC236}">
+                <a16:creationId xmlns:a16="http://schemas.microsoft.com/office/drawing/2014/main" id="{BE394FC1-3DED-1AC7-CE52-545994E89282}"/>
               </a:ext>
             </a:extLst>
           </p:cNvPr>
@@ -4654,7 +4813,7 @@
         </p:nvSpPr>
         <p:spPr>
           <a:xfrm>
-            <a:off x="0" y="-1"/>
+            <a:off x="0" y="3418929"/>
             <a:ext cx="12192000" cy="3429001"/>
           </a:xfrm>
           <a:prstGeom prst="rect">
@@ -4694,10 +4853,10 @@
       </p:sp>
       <p:sp>
         <p:nvSpPr>
-          <p:cNvPr id="5" name="ZoneTexte 4">
-            <a:extLst>
-              <a:ext uri="{FF2B5EF4-FFF2-40B4-BE49-F238E27FC236}">
-                <a16:creationId xmlns:a16="http://schemas.microsoft.com/office/drawing/2014/main" id="{C3114302-FA7F-C4BE-FFF5-177C594D1FEE}"/>
+          <p:cNvPr id="7" name="ZoneTexte 6">
+            <a:extLst>
+              <a:ext uri="{FF2B5EF4-FFF2-40B4-BE49-F238E27FC236}">
+                <a16:creationId xmlns:a16="http://schemas.microsoft.com/office/drawing/2014/main" id="{A7973DA6-752F-20D9-676F-F936C4D1CDFB}"/>
               </a:ext>
             </a:extLst>
           </p:cNvPr>
@@ -4706,8 +4865,8 @@
         </p:nvSpPr>
         <p:spPr>
           <a:xfrm>
-            <a:off x="4583275" y="1177803"/>
-            <a:ext cx="3025450" cy="646331"/>
+            <a:off x="626131" y="4898551"/>
+            <a:ext cx="3020524" cy="1815882"/>
           </a:xfrm>
           <a:prstGeom prst="rect">
             <a:avLst/>
@@ -4721,22 +4880,204 @@
           <a:lstStyle/>
           <a:p>
             <a:r>
-              <a:rPr lang="fr-FR" sz="3600" dirty="0">
+              <a:rPr lang="fr-FR" sz="2800" dirty="0">
                 <a:solidFill>
                   <a:schemeClr val="bg1"/>
                 </a:solidFill>
               </a:rPr>
-              <a:t>Projet Routeur:</a:t>
-            </a:r>
-          </a:p>
-        </p:txBody>
-      </p:sp>
-      <p:sp>
-        <p:nvSpPr>
-          <p:cNvPr id="6" name="ZoneTexte 5">
-            <a:extLst>
-              <a:ext uri="{FF2B5EF4-FFF2-40B4-BE49-F238E27FC236}">
-                <a16:creationId xmlns:a16="http://schemas.microsoft.com/office/drawing/2014/main" id="{5CFA33DE-C6D8-0580-E902-014FDE1A174A}"/>
+              <a:t>Cisco</a:t>
+            </a:r>
+          </a:p>
+          <a:p>
+            <a:r>
+              <a:rPr lang="fr-FR" sz="2800" dirty="0"/>
+              <a:t> </a:t>
+            </a:r>
+          </a:p>
+          <a:p>
+            <a:endParaRPr lang="fr-FR" sz="2800" dirty="0"/>
+          </a:p>
+          <a:p>
+            <a:endParaRPr lang="fr-FR" sz="2800" dirty="0"/>
+          </a:p>
+        </p:txBody>
+      </p:sp>
+      <p:pic>
+        <p:nvPicPr>
+          <p:cNvPr id="1026" name="Picture 2" descr="Cisco Logo PNG Transparent &amp; SVG Vector - Freebie Supply">
+            <a:extLst>
+              <a:ext uri="{FF2B5EF4-FFF2-40B4-BE49-F238E27FC236}">
+                <a16:creationId xmlns:a16="http://schemas.microsoft.com/office/drawing/2014/main" id="{95573438-BD5A-81D7-7236-62443DFBA668}"/>
+              </a:ext>
+            </a:extLst>
+          </p:cNvPr>
+          <p:cNvPicPr>
+            <a:picLocks noChangeAspect="1" noChangeArrowheads="1"/>
+          </p:cNvPicPr>
+          <p:nvPr/>
+        </p:nvPicPr>
+        <p:blipFill>
+          <a:blip r:embed="rId3">
+            <a:extLst>
+              <a:ext uri="{28A0092B-C50C-407E-A947-70E740481C1C}">
+                <a14:useLocalDpi xmlns:a14="http://schemas.microsoft.com/office/drawing/2010/main" val="0"/>
+              </a:ext>
+            </a:extLst>
+          </a:blip>
+          <a:srcRect/>
+          <a:stretch>
+            <a:fillRect/>
+          </a:stretch>
+        </p:blipFill>
+        <p:spPr bwMode="auto">
+          <a:xfrm>
+            <a:off x="407471" y="1679586"/>
+            <a:ext cx="2598518" cy="1376064"/>
+          </a:xfrm>
+          <a:prstGeom prst="rect">
+            <a:avLst/>
+          </a:prstGeom>
+          <a:noFill/>
+          <a:extLst>
+            <a:ext uri="{909E8E84-426E-40DD-AFC4-6F175D3DCCD1}">
+              <a14:hiddenFill xmlns:a14="http://schemas.microsoft.com/office/drawing/2010/main">
+                <a:solidFill>
+                  <a:srgbClr val="FFFFFF"/>
+                </a:solidFill>
+              </a14:hiddenFill>
+            </a:ext>
+          </a:extLst>
+        </p:spPr>
+      </p:pic>
+      <p:pic>
+        <p:nvPicPr>
+          <p:cNvPr id="16" name="Image 15" descr="Github Logo - Free social media icons">
+            <a:extLst>
+              <a:ext uri="{FF2B5EF4-FFF2-40B4-BE49-F238E27FC236}">
+                <a16:creationId xmlns:a16="http://schemas.microsoft.com/office/drawing/2014/main" id="{819DDAAF-6A8D-BDB3-0CBC-49E495C6A3B5}"/>
+              </a:ext>
+            </a:extLst>
+          </p:cNvPr>
+          <p:cNvPicPr>
+            <a:picLocks noChangeAspect="1"/>
+          </p:cNvPicPr>
+          <p:nvPr/>
+        </p:nvPicPr>
+        <p:blipFill>
+          <a:blip r:embed="rId4" cstate="print">
+            <a:extLst>
+              <a:ext uri="{28A0092B-C50C-407E-A947-70E740481C1C}">
+                <a14:useLocalDpi xmlns:a14="http://schemas.microsoft.com/office/drawing/2010/main" val="0"/>
+              </a:ext>
+            </a:extLst>
+          </a:blip>
+          <a:srcRect/>
+          <a:stretch>
+            <a:fillRect/>
+          </a:stretch>
+        </p:blipFill>
+        <p:spPr bwMode="auto">
+          <a:xfrm>
+            <a:off x="3977018" y="1674031"/>
+            <a:ext cx="1375430" cy="1375430"/>
+          </a:xfrm>
+          <a:prstGeom prst="rect">
+            <a:avLst/>
+          </a:prstGeom>
+          <a:noFill/>
+          <a:ln>
+            <a:noFill/>
+          </a:ln>
+        </p:spPr>
+      </p:pic>
+      <p:pic>
+        <p:nvPicPr>
+          <p:cNvPr id="17" name="Image 16" descr="Ubuntu Images PNG fond transparent | PNG Play">
+            <a:extLst>
+              <a:ext uri="{FF2B5EF4-FFF2-40B4-BE49-F238E27FC236}">
+                <a16:creationId xmlns:a16="http://schemas.microsoft.com/office/drawing/2014/main" id="{D7C831EA-E660-3B78-1797-9B7AFC5BE778}"/>
+              </a:ext>
+            </a:extLst>
+          </p:cNvPr>
+          <p:cNvPicPr>
+            <a:picLocks noChangeAspect="1"/>
+          </p:cNvPicPr>
+          <p:nvPr/>
+        </p:nvPicPr>
+        <p:blipFill>
+          <a:blip r:embed="rId5" cstate="print">
+            <a:extLst>
+              <a:ext uri="{28A0092B-C50C-407E-A947-70E740481C1C}">
+                <a14:useLocalDpi xmlns:a14="http://schemas.microsoft.com/office/drawing/2010/main" val="0"/>
+              </a:ext>
+            </a:extLst>
+          </a:blip>
+          <a:srcRect/>
+          <a:stretch>
+            <a:fillRect/>
+          </a:stretch>
+        </p:blipFill>
+        <p:spPr bwMode="auto">
+          <a:xfrm>
+            <a:off x="6788221" y="1733274"/>
+            <a:ext cx="1376063" cy="1376063"/>
+          </a:xfrm>
+          <a:prstGeom prst="rect">
+            <a:avLst/>
+          </a:prstGeom>
+          <a:noFill/>
+          <a:ln>
+            <a:noFill/>
+          </a:ln>
+        </p:spPr>
+      </p:pic>
+      <p:pic>
+        <p:nvPicPr>
+          <p:cNvPr id="18" name="Image 17" descr="Microsoft Excel Logo Microsoft Word Microsoft Office 365 Pivot table, Excel  Office Xlsx Icon, Microsoft Excel logo, template, angle png | PNGEgg">
+            <a:extLst>
+              <a:ext uri="{FF2B5EF4-FFF2-40B4-BE49-F238E27FC236}">
+                <a16:creationId xmlns:a16="http://schemas.microsoft.com/office/drawing/2014/main" id="{6200DDE1-8399-D878-69AE-548616DF81F6}"/>
+              </a:ext>
+            </a:extLst>
+          </p:cNvPr>
+          <p:cNvPicPr>
+            <a:picLocks noChangeAspect="1"/>
+          </p:cNvPicPr>
+          <p:nvPr/>
+        </p:nvPicPr>
+        <p:blipFill>
+          <a:blip r:embed="rId6" cstate="print">
+            <a:extLst>
+              <a:ext uri="{28A0092B-C50C-407E-A947-70E740481C1C}">
+                <a14:useLocalDpi xmlns:a14="http://schemas.microsoft.com/office/drawing/2010/main" val="0"/>
+              </a:ext>
+            </a:extLst>
+          </a:blip>
+          <a:srcRect/>
+          <a:stretch>
+            <a:fillRect/>
+          </a:stretch>
+        </p:blipFill>
+        <p:spPr bwMode="auto">
+          <a:xfrm>
+            <a:off x="9600057" y="1679587"/>
+            <a:ext cx="1376063" cy="1376063"/>
+          </a:xfrm>
+          <a:prstGeom prst="rect">
+            <a:avLst/>
+          </a:prstGeom>
+          <a:noFill/>
+          <a:ln>
+            <a:noFill/>
+          </a:ln>
+        </p:spPr>
+      </p:pic>
+      <p:sp>
+        <p:nvSpPr>
+          <p:cNvPr id="20" name="ZoneTexte 19">
+            <a:extLst>
+              <a:ext uri="{FF2B5EF4-FFF2-40B4-BE49-F238E27FC236}">
+                <a16:creationId xmlns:a16="http://schemas.microsoft.com/office/drawing/2014/main" id="{78EA5A46-C8C3-A6D7-C714-BB609E929CE2}"/>
               </a:ext>
             </a:extLst>
           </p:cNvPr>
@@ -4745,8 +5086,8 @@
         </p:nvSpPr>
         <p:spPr>
           <a:xfrm>
-            <a:off x="3890476" y="3899433"/>
-            <a:ext cx="7436498" cy="2246769"/>
+            <a:off x="4050422" y="4914180"/>
+            <a:ext cx="1353358" cy="523220"/>
           </a:xfrm>
           <a:prstGeom prst="rect">
             <a:avLst/>
@@ -4760,54 +5101,174 @@
           <a:lstStyle/>
           <a:p>
             <a:r>
+              <a:rPr lang="fr-FR" sz="2800" dirty="0" err="1">
+                <a:solidFill>
+                  <a:schemeClr val="bg1"/>
+                </a:solidFill>
+              </a:rPr>
+              <a:t>Github</a:t>
+            </a:r>
+            <a:endParaRPr lang="fr-FR" sz="2800" dirty="0">
+              <a:solidFill>
+                <a:schemeClr val="bg1"/>
+              </a:solidFill>
+            </a:endParaRPr>
+          </a:p>
+        </p:txBody>
+      </p:sp>
+      <p:sp>
+        <p:nvSpPr>
+          <p:cNvPr id="21" name="ZoneTexte 20">
+            <a:extLst>
+              <a:ext uri="{FF2B5EF4-FFF2-40B4-BE49-F238E27FC236}">
+                <a16:creationId xmlns:a16="http://schemas.microsoft.com/office/drawing/2014/main" id="{43771895-C1EC-D7D9-35B5-BEEB51F5D986}"/>
+              </a:ext>
+            </a:extLst>
+          </p:cNvPr>
+          <p:cNvSpPr txBox="1"/>
+          <p:nvPr/>
+        </p:nvSpPr>
+        <p:spPr>
+          <a:xfrm>
+            <a:off x="6839943" y="4841041"/>
+            <a:ext cx="3584713" cy="584775"/>
+          </a:xfrm>
+          <a:prstGeom prst="rect">
+            <a:avLst/>
+          </a:prstGeom>
+          <a:noFill/>
+        </p:spPr>
+        <p:txBody>
+          <a:bodyPr wrap="square" rtlCol="0">
+            <a:spAutoFit/>
+          </a:bodyPr>
+          <a:lstStyle/>
+          <a:p>
+            <a:r>
+              <a:rPr lang="fr-FR" sz="3200" dirty="0">
+                <a:solidFill>
+                  <a:schemeClr val="bg1"/>
+                </a:solidFill>
+              </a:rPr>
+              <a:t>Ubuntu</a:t>
+            </a:r>
+          </a:p>
+        </p:txBody>
+      </p:sp>
+      <p:sp>
+        <p:nvSpPr>
+          <p:cNvPr id="22" name="ZoneTexte 21">
+            <a:extLst>
+              <a:ext uri="{FF2B5EF4-FFF2-40B4-BE49-F238E27FC236}">
+                <a16:creationId xmlns:a16="http://schemas.microsoft.com/office/drawing/2014/main" id="{A542F09E-7392-A90D-B2B6-72DFD3412526}"/>
+              </a:ext>
+            </a:extLst>
+          </p:cNvPr>
+          <p:cNvSpPr txBox="1"/>
+          <p:nvPr/>
+        </p:nvSpPr>
+        <p:spPr>
+          <a:xfrm>
+            <a:off x="4687924" y="6047709"/>
+            <a:ext cx="3199706" cy="800219"/>
+          </a:xfrm>
+          <a:prstGeom prst="rect">
+            <a:avLst/>
+          </a:prstGeom>
+          <a:noFill/>
+        </p:spPr>
+        <p:txBody>
+          <a:bodyPr wrap="square" rtlCol="0">
+            <a:spAutoFit/>
+          </a:bodyPr>
+          <a:lstStyle/>
+          <a:p>
+            <a:r>
               <a:rPr lang="fr-FR" sz="2800" dirty="0">
                 <a:solidFill>
-                  <a:srgbClr val="29077D"/>
+                  <a:schemeClr val="bg1"/>
                 </a:solidFill>
               </a:rPr>
-              <a:t>Mise en place d’un routeur</a:t>
-            </a:r>
-          </a:p>
-          <a:p>
-            <a:endParaRPr lang="fr-FR" sz="2800" dirty="0">
-              <a:solidFill>
-                <a:srgbClr val="29077D"/>
-              </a:solidFill>
-            </a:endParaRPr>
-          </a:p>
+              <a:t>Routeur physique </a:t>
+            </a:r>
+          </a:p>
+          <a:p>
+            <a:endParaRPr lang="fr-FR" dirty="0"/>
+          </a:p>
+        </p:txBody>
+      </p:sp>
+      <p:sp>
+        <p:nvSpPr>
+          <p:cNvPr id="23" name="ZoneTexte 22">
+            <a:extLst>
+              <a:ext uri="{FF2B5EF4-FFF2-40B4-BE49-F238E27FC236}">
+                <a16:creationId xmlns:a16="http://schemas.microsoft.com/office/drawing/2014/main" id="{A1DE4B7E-0D68-8443-D8F5-6F91FD13CDC5}"/>
+              </a:ext>
+            </a:extLst>
+          </p:cNvPr>
+          <p:cNvSpPr txBox="1"/>
+          <p:nvPr/>
+        </p:nvSpPr>
+        <p:spPr>
+          <a:xfrm>
+            <a:off x="9871247" y="4914180"/>
+            <a:ext cx="2872408" cy="523220"/>
+          </a:xfrm>
+          <a:prstGeom prst="rect">
+            <a:avLst/>
+          </a:prstGeom>
+          <a:noFill/>
+        </p:spPr>
+        <p:txBody>
+          <a:bodyPr wrap="square" rtlCol="0">
+            <a:spAutoFit/>
+          </a:bodyPr>
+          <a:lstStyle/>
           <a:p>
             <a:r>
               <a:rPr lang="fr-FR" sz="2800" dirty="0">
                 <a:solidFill>
-                  <a:srgbClr val="29077D"/>
+                  <a:schemeClr val="bg1"/>
                 </a:solidFill>
               </a:rPr>
-              <a:t>Gestion de différents réseaux </a:t>
-            </a:r>
-          </a:p>
-          <a:p>
-            <a:endParaRPr lang="fr-FR" sz="2800" dirty="0">
-              <a:solidFill>
-                <a:srgbClr val="29077D"/>
-              </a:solidFill>
-            </a:endParaRPr>
-          </a:p>
-          <a:p>
-            <a:r>
-              <a:rPr lang="fr-FR" sz="2800" dirty="0">
-                <a:solidFill>
-                  <a:srgbClr val="29077D"/>
-                </a:solidFill>
-              </a:rPr>
-              <a:t>Fonctionnalités supplémentaires </a:t>
-            </a:r>
+              <a:t>Excel</a:t>
+            </a:r>
+          </a:p>
+        </p:txBody>
+      </p:sp>
+      <p:sp>
+        <p:nvSpPr>
+          <p:cNvPr id="24" name="Espace réservé du numéro de diapositive 23">
+            <a:extLst>
+              <a:ext uri="{FF2B5EF4-FFF2-40B4-BE49-F238E27FC236}">
+                <a16:creationId xmlns:a16="http://schemas.microsoft.com/office/drawing/2014/main" id="{61FC32D4-4F89-F058-7012-C2AD0BA37B5A}"/>
+              </a:ext>
+            </a:extLst>
+          </p:cNvPr>
+          <p:cNvSpPr>
+            <a:spLocks noGrp="1"/>
+          </p:cNvSpPr>
+          <p:nvPr>
+            <p:ph type="sldNum" sz="quarter" idx="12"/>
+          </p:nvPr>
+        </p:nvSpPr>
+        <p:spPr/>
+        <p:txBody>
+          <a:bodyPr/>
+          <a:lstStyle/>
+          <a:p>
+            <a:fld id="{08BA99BA-266B-4387-B2FD-0601F956CE29}" type="slidenum">
+              <a:rPr lang="fr-FR" smtClean="0"/>
+              <a:t>3</a:t>
+            </a:fld>
+            <a:endParaRPr lang="fr-FR"/>
           </a:p>
         </p:txBody>
       </p:sp>
     </p:spTree>
     <p:extLst>
       <p:ext uri="{BB962C8B-B14F-4D97-AF65-F5344CB8AC3E}">
-        <p14:creationId xmlns:p14="http://schemas.microsoft.com/office/powerpoint/2010/main" val="4147279874"/>
+        <p14:creationId xmlns:p14="http://schemas.microsoft.com/office/powerpoint/2010/main" val="168645913"/>
       </p:ext>
     </p:extLst>
   </p:cSld>
@@ -4848,45 +5309,43 @@
       </p:grpSpPr>
       <p:sp>
         <p:nvSpPr>
-          <p:cNvPr id="6" name="ZoneTexte 5">
-            <a:extLst>
-              <a:ext uri="{FF2B5EF4-FFF2-40B4-BE49-F238E27FC236}">
-                <a16:creationId xmlns:a16="http://schemas.microsoft.com/office/drawing/2014/main" id="{6D5ACF09-5C15-7F9B-9FDD-9A2AAABB23C2}"/>
-              </a:ext>
-            </a:extLst>
-          </p:cNvPr>
-          <p:cNvSpPr txBox="1"/>
-          <p:nvPr/>
+          <p:cNvPr id="2" name="Titre 1">
+            <a:extLst>
+              <a:ext uri="{FF2B5EF4-FFF2-40B4-BE49-F238E27FC236}">
+                <a16:creationId xmlns:a16="http://schemas.microsoft.com/office/drawing/2014/main" id="{8131389F-F8E7-0299-13BE-21286F87B6D8}"/>
+              </a:ext>
+            </a:extLst>
+          </p:cNvPr>
+          <p:cNvSpPr>
+            <a:spLocks noGrp="1"/>
+          </p:cNvSpPr>
+          <p:nvPr>
+            <p:ph type="title"/>
+          </p:nvPr>
         </p:nvSpPr>
         <p:spPr>
           <a:xfrm>
-            <a:off x="3517640" y="477102"/>
-            <a:ext cx="7576457" cy="707886"/>
+            <a:off x="4848225" y="317500"/>
+            <a:ext cx="10515600" cy="1325563"/>
           </a:xfrm>
-          <a:prstGeom prst="rect">
-            <a:avLst/>
-          </a:prstGeom>
-          <a:noFill/>
         </p:spPr>
         <p:txBody>
-          <a:bodyPr wrap="square" rtlCol="0">
-            <a:spAutoFit/>
-          </a:bodyPr>
-          <a:lstStyle/>
-          <a:p>
-            <a:r>
-              <a:rPr lang="fr-FR" sz="4000" dirty="0"/>
-              <a:t>Technologie</a:t>
-            </a:r>
-          </a:p>
-        </p:txBody>
-      </p:sp>
-      <p:sp>
-        <p:nvSpPr>
-          <p:cNvPr id="9" name="Rectangle 8">
-            <a:extLst>
-              <a:ext uri="{FF2B5EF4-FFF2-40B4-BE49-F238E27FC236}">
-                <a16:creationId xmlns:a16="http://schemas.microsoft.com/office/drawing/2014/main" id="{BE394FC1-3DED-1AC7-CE52-545994E89282}"/>
+          <a:bodyPr/>
+          <a:lstStyle/>
+          <a:p>
+            <a:r>
+              <a:rPr lang="fr-FR" dirty="0"/>
+              <a:t>Schéma</a:t>
+            </a:r>
+          </a:p>
+        </p:txBody>
+      </p:sp>
+      <p:sp>
+        <p:nvSpPr>
+          <p:cNvPr id="3" name="Rectangle 2">
+            <a:extLst>
+              <a:ext uri="{FF2B5EF4-FFF2-40B4-BE49-F238E27FC236}">
+                <a16:creationId xmlns:a16="http://schemas.microsoft.com/office/drawing/2014/main" id="{7B75E67E-B686-4BE6-296D-836174DD44B9}"/>
               </a:ext>
             </a:extLst>
           </p:cNvPr>
@@ -4895,14 +5354,14 @@
         </p:nvSpPr>
         <p:spPr>
           <a:xfrm>
-            <a:off x="0" y="3418929"/>
-            <a:ext cx="12192000" cy="3429001"/>
+            <a:off x="0" y="0"/>
+            <a:ext cx="12192000" cy="6858000"/>
           </a:xfrm>
           <a:prstGeom prst="rect">
             <a:avLst/>
           </a:prstGeom>
           <a:solidFill>
-            <a:srgbClr val="29077D"/>
+            <a:srgbClr val="002060"/>
           </a:solidFill>
           <a:ln>
             <a:noFill/>
@@ -4933,395 +5392,74 @@
           </a:p>
         </p:txBody>
       </p:sp>
-      <p:sp>
-        <p:nvSpPr>
-          <p:cNvPr id="7" name="ZoneTexte 6">
-            <a:extLst>
-              <a:ext uri="{FF2B5EF4-FFF2-40B4-BE49-F238E27FC236}">
-                <a16:creationId xmlns:a16="http://schemas.microsoft.com/office/drawing/2014/main" id="{A7973DA6-752F-20D9-676F-F936C4D1CDFB}"/>
-              </a:ext>
-            </a:extLst>
-          </p:cNvPr>
-          <p:cNvSpPr txBox="1"/>
-          <p:nvPr/>
-        </p:nvSpPr>
-        <p:spPr>
-          <a:xfrm>
-            <a:off x="626131" y="4898551"/>
-            <a:ext cx="3020524" cy="1815882"/>
-          </a:xfrm>
-          <a:prstGeom prst="rect">
-            <a:avLst/>
-          </a:prstGeom>
-          <a:noFill/>
-        </p:spPr>
-        <p:txBody>
-          <a:bodyPr wrap="square" rtlCol="0">
-            <a:spAutoFit/>
-          </a:bodyPr>
-          <a:lstStyle/>
-          <a:p>
-            <a:r>
-              <a:rPr lang="fr-FR" sz="2800" dirty="0">
-                <a:solidFill>
-                  <a:schemeClr val="bg1"/>
-                </a:solidFill>
-              </a:rPr>
-              <a:t>Cisco</a:t>
-            </a:r>
-          </a:p>
-          <a:p>
-            <a:r>
-              <a:rPr lang="fr-FR" sz="2800" dirty="0"/>
-              <a:t> </a:t>
-            </a:r>
-          </a:p>
-          <a:p>
-            <a:endParaRPr lang="fr-FR" sz="2800" dirty="0"/>
-          </a:p>
-          <a:p>
-            <a:endParaRPr lang="fr-FR" sz="2800" dirty="0"/>
-          </a:p>
-        </p:txBody>
-      </p:sp>
       <p:pic>
         <p:nvPicPr>
-          <p:cNvPr id="1026" name="Picture 2" descr="Cisco Logo PNG Transparent &amp; SVG Vector - Freebie Supply">
-            <a:extLst>
-              <a:ext uri="{FF2B5EF4-FFF2-40B4-BE49-F238E27FC236}">
-                <a16:creationId xmlns:a16="http://schemas.microsoft.com/office/drawing/2014/main" id="{95573438-BD5A-81D7-7236-62443DFBA668}"/>
+          <p:cNvPr id="5" name="Espace réservé du contenu 4" descr="Une image contenant capture d’écran, ligne, diagramme, conception&#10;&#10;Description générée automatiquement">
+            <a:extLst>
+              <a:ext uri="{FF2B5EF4-FFF2-40B4-BE49-F238E27FC236}">
+                <a16:creationId xmlns:a16="http://schemas.microsoft.com/office/drawing/2014/main" id="{718C239E-8331-A58A-6A3F-E248B33CCD94}"/>
               </a:ext>
             </a:extLst>
           </p:cNvPr>
           <p:cNvPicPr>
-            <a:picLocks noChangeAspect="1" noChangeArrowheads="1"/>
+            <a:picLocks noGrp="1" noChangeAspect="1"/>
           </p:cNvPicPr>
-          <p:nvPr/>
+          <p:nvPr>
+            <p:ph idx="1"/>
+          </p:nvPr>
         </p:nvPicPr>
         <p:blipFill>
-          <a:blip r:embed="rId3">
+          <a:blip r:embed="rId2">
             <a:extLst>
               <a:ext uri="{28A0092B-C50C-407E-A947-70E740481C1C}">
                 <a14:useLocalDpi xmlns:a14="http://schemas.microsoft.com/office/drawing/2010/main" val="0"/>
               </a:ext>
             </a:extLst>
           </a:blip>
-          <a:srcRect/>
           <a:stretch>
             <a:fillRect/>
           </a:stretch>
         </p:blipFill>
-        <p:spPr bwMode="auto">
+        <p:spPr>
           <a:xfrm>
-            <a:off x="407471" y="1679586"/>
-            <a:ext cx="2598518" cy="1376064"/>
+            <a:off x="217605" y="893745"/>
+            <a:ext cx="11756790" cy="5070510"/>
           </a:xfrm>
-          <a:prstGeom prst="rect">
-            <a:avLst/>
-          </a:prstGeom>
-          <a:noFill/>
-          <a:extLst>
-            <a:ext uri="{909E8E84-426E-40DD-AFC4-6F175D3DCCD1}">
-              <a14:hiddenFill xmlns:a14="http://schemas.microsoft.com/office/drawing/2010/main">
-                <a:solidFill>
-                  <a:srgbClr val="FFFFFF"/>
-                </a:solidFill>
-              </a14:hiddenFill>
-            </a:ext>
-          </a:extLst>
         </p:spPr>
       </p:pic>
-      <p:pic>
-        <p:nvPicPr>
-          <p:cNvPr id="16" name="Image 15" descr="Github Logo - Free social media icons">
-            <a:extLst>
-              <a:ext uri="{FF2B5EF4-FFF2-40B4-BE49-F238E27FC236}">
-                <a16:creationId xmlns:a16="http://schemas.microsoft.com/office/drawing/2014/main" id="{819DDAAF-6A8D-BDB3-0CBC-49E495C6A3B5}"/>
-              </a:ext>
-            </a:extLst>
-          </p:cNvPr>
-          <p:cNvPicPr>
-            <a:picLocks noChangeAspect="1"/>
-          </p:cNvPicPr>
-          <p:nvPr/>
-        </p:nvPicPr>
-        <p:blipFill>
-          <a:blip r:embed="rId4" cstate="print">
-            <a:extLst>
-              <a:ext uri="{28A0092B-C50C-407E-A947-70E740481C1C}">
-                <a14:useLocalDpi xmlns:a14="http://schemas.microsoft.com/office/drawing/2010/main" val="0"/>
-              </a:ext>
-            </a:extLst>
-          </a:blip>
-          <a:srcRect/>
-          <a:stretch>
-            <a:fillRect/>
-          </a:stretch>
-        </p:blipFill>
-        <p:spPr bwMode="auto">
-          <a:xfrm>
-            <a:off x="3977018" y="1674031"/>
-            <a:ext cx="1375430" cy="1375430"/>
-          </a:xfrm>
-          <a:prstGeom prst="rect">
-            <a:avLst/>
-          </a:prstGeom>
-          <a:noFill/>
-          <a:ln>
-            <a:noFill/>
-          </a:ln>
-        </p:spPr>
-      </p:pic>
-      <p:pic>
-        <p:nvPicPr>
-          <p:cNvPr id="17" name="Image 16" descr="Ubuntu Images PNG fond transparent | PNG Play">
-            <a:extLst>
-              <a:ext uri="{FF2B5EF4-FFF2-40B4-BE49-F238E27FC236}">
-                <a16:creationId xmlns:a16="http://schemas.microsoft.com/office/drawing/2014/main" id="{D7C831EA-E660-3B78-1797-9B7AFC5BE778}"/>
-              </a:ext>
-            </a:extLst>
-          </p:cNvPr>
-          <p:cNvPicPr>
-            <a:picLocks noChangeAspect="1"/>
-          </p:cNvPicPr>
-          <p:nvPr/>
-        </p:nvPicPr>
-        <p:blipFill>
-          <a:blip r:embed="rId5" cstate="print">
-            <a:extLst>
-              <a:ext uri="{28A0092B-C50C-407E-A947-70E740481C1C}">
-                <a14:useLocalDpi xmlns:a14="http://schemas.microsoft.com/office/drawing/2010/main" val="0"/>
-              </a:ext>
-            </a:extLst>
-          </a:blip>
-          <a:srcRect/>
-          <a:stretch>
-            <a:fillRect/>
-          </a:stretch>
-        </p:blipFill>
-        <p:spPr bwMode="auto">
-          <a:xfrm>
-            <a:off x="6788221" y="1733274"/>
-            <a:ext cx="1376063" cy="1376063"/>
-          </a:xfrm>
-          <a:prstGeom prst="rect">
-            <a:avLst/>
-          </a:prstGeom>
-          <a:noFill/>
-          <a:ln>
-            <a:noFill/>
-          </a:ln>
-        </p:spPr>
-      </p:pic>
-      <p:pic>
-        <p:nvPicPr>
-          <p:cNvPr id="18" name="Image 17" descr="Microsoft Excel Logo Microsoft Word Microsoft Office 365 Pivot table, Excel  Office Xlsx Icon, Microsoft Excel logo, template, angle png | PNGEgg">
-            <a:extLst>
-              <a:ext uri="{FF2B5EF4-FFF2-40B4-BE49-F238E27FC236}">
-                <a16:creationId xmlns:a16="http://schemas.microsoft.com/office/drawing/2014/main" id="{6200DDE1-8399-D878-69AE-548616DF81F6}"/>
-              </a:ext>
-            </a:extLst>
-          </p:cNvPr>
-          <p:cNvPicPr>
-            <a:picLocks noChangeAspect="1"/>
-          </p:cNvPicPr>
-          <p:nvPr/>
-        </p:nvPicPr>
-        <p:blipFill>
-          <a:blip r:embed="rId6" cstate="print">
-            <a:extLst>
-              <a:ext uri="{28A0092B-C50C-407E-A947-70E740481C1C}">
-                <a14:useLocalDpi xmlns:a14="http://schemas.microsoft.com/office/drawing/2010/main" val="0"/>
-              </a:ext>
-            </a:extLst>
-          </a:blip>
-          <a:srcRect/>
-          <a:stretch>
-            <a:fillRect/>
-          </a:stretch>
-        </p:blipFill>
-        <p:spPr bwMode="auto">
-          <a:xfrm>
-            <a:off x="9600057" y="1679587"/>
-            <a:ext cx="1376063" cy="1376063"/>
-          </a:xfrm>
-          <a:prstGeom prst="rect">
-            <a:avLst/>
-          </a:prstGeom>
-          <a:noFill/>
-          <a:ln>
-            <a:noFill/>
-          </a:ln>
-        </p:spPr>
-      </p:pic>
-      <p:sp>
-        <p:nvSpPr>
-          <p:cNvPr id="20" name="ZoneTexte 19">
-            <a:extLst>
-              <a:ext uri="{FF2B5EF4-FFF2-40B4-BE49-F238E27FC236}">
-                <a16:creationId xmlns:a16="http://schemas.microsoft.com/office/drawing/2014/main" id="{78EA5A46-C8C3-A6D7-C714-BB609E929CE2}"/>
-              </a:ext>
-            </a:extLst>
-          </p:cNvPr>
-          <p:cNvSpPr txBox="1"/>
-          <p:nvPr/>
-        </p:nvSpPr>
-        <p:spPr>
-          <a:xfrm>
-            <a:off x="4050422" y="4914180"/>
-            <a:ext cx="1353358" cy="523220"/>
-          </a:xfrm>
-          <a:prstGeom prst="rect">
-            <a:avLst/>
-          </a:prstGeom>
-          <a:noFill/>
-        </p:spPr>
-        <p:txBody>
-          <a:bodyPr wrap="square" rtlCol="0">
-            <a:spAutoFit/>
-          </a:bodyPr>
-          <a:lstStyle/>
-          <a:p>
-            <a:r>
-              <a:rPr lang="fr-FR" sz="2800" dirty="0" err="1">
-                <a:solidFill>
-                  <a:schemeClr val="bg1"/>
-                </a:solidFill>
-              </a:rPr>
-              <a:t>Github</a:t>
-            </a:r>
-            <a:endParaRPr lang="fr-FR" sz="2800" dirty="0">
-              <a:solidFill>
-                <a:schemeClr val="bg1"/>
-              </a:solidFill>
-            </a:endParaRPr>
-          </a:p>
-        </p:txBody>
-      </p:sp>
-      <p:sp>
-        <p:nvSpPr>
-          <p:cNvPr id="21" name="ZoneTexte 20">
-            <a:extLst>
-              <a:ext uri="{FF2B5EF4-FFF2-40B4-BE49-F238E27FC236}">
-                <a16:creationId xmlns:a16="http://schemas.microsoft.com/office/drawing/2014/main" id="{43771895-C1EC-D7D9-35B5-BEEB51F5D986}"/>
-              </a:ext>
-            </a:extLst>
-          </p:cNvPr>
-          <p:cNvSpPr txBox="1"/>
-          <p:nvPr/>
-        </p:nvSpPr>
-        <p:spPr>
-          <a:xfrm>
-            <a:off x="6839943" y="4841041"/>
-            <a:ext cx="3584713" cy="584775"/>
-          </a:xfrm>
-          <a:prstGeom prst="rect">
-            <a:avLst/>
-          </a:prstGeom>
-          <a:noFill/>
-        </p:spPr>
-        <p:txBody>
-          <a:bodyPr wrap="square" rtlCol="0">
-            <a:spAutoFit/>
-          </a:bodyPr>
-          <a:lstStyle/>
-          <a:p>
-            <a:r>
-              <a:rPr lang="fr-FR" sz="3200" dirty="0">
-                <a:solidFill>
-                  <a:schemeClr val="bg1"/>
-                </a:solidFill>
-              </a:rPr>
-              <a:t>Ubuntu</a:t>
-            </a:r>
-          </a:p>
-        </p:txBody>
-      </p:sp>
-      <p:sp>
-        <p:nvSpPr>
-          <p:cNvPr id="22" name="ZoneTexte 21">
-            <a:extLst>
-              <a:ext uri="{FF2B5EF4-FFF2-40B4-BE49-F238E27FC236}">
-                <a16:creationId xmlns:a16="http://schemas.microsoft.com/office/drawing/2014/main" id="{A542F09E-7392-A90D-B2B6-72DFD3412526}"/>
-              </a:ext>
-            </a:extLst>
-          </p:cNvPr>
-          <p:cNvSpPr txBox="1"/>
-          <p:nvPr/>
-        </p:nvSpPr>
-        <p:spPr>
-          <a:xfrm>
-            <a:off x="4687924" y="6047709"/>
-            <a:ext cx="3199706" cy="800219"/>
-          </a:xfrm>
-          <a:prstGeom prst="rect">
-            <a:avLst/>
-          </a:prstGeom>
-          <a:noFill/>
-        </p:spPr>
-        <p:txBody>
-          <a:bodyPr wrap="square" rtlCol="0">
-            <a:spAutoFit/>
-          </a:bodyPr>
-          <a:lstStyle/>
-          <a:p>
-            <a:r>
-              <a:rPr lang="fr-FR" sz="2800" dirty="0">
-                <a:solidFill>
-                  <a:schemeClr val="bg1"/>
-                </a:solidFill>
-              </a:rPr>
-              <a:t>Routeur physique </a:t>
-            </a:r>
-          </a:p>
-          <a:p>
-            <a:endParaRPr lang="fr-FR" dirty="0"/>
-          </a:p>
-        </p:txBody>
-      </p:sp>
-      <p:sp>
-        <p:nvSpPr>
-          <p:cNvPr id="23" name="ZoneTexte 22">
-            <a:extLst>
-              <a:ext uri="{FF2B5EF4-FFF2-40B4-BE49-F238E27FC236}">
-                <a16:creationId xmlns:a16="http://schemas.microsoft.com/office/drawing/2014/main" id="{A1DE4B7E-0D68-8443-D8F5-6F91FD13CDC5}"/>
-              </a:ext>
-            </a:extLst>
-          </p:cNvPr>
-          <p:cNvSpPr txBox="1"/>
-          <p:nvPr/>
-        </p:nvSpPr>
-        <p:spPr>
-          <a:xfrm>
-            <a:off x="9871247" y="4914180"/>
-            <a:ext cx="2872408" cy="523220"/>
-          </a:xfrm>
-          <a:prstGeom prst="rect">
-            <a:avLst/>
-          </a:prstGeom>
-          <a:noFill/>
-        </p:spPr>
-        <p:txBody>
-          <a:bodyPr wrap="square" rtlCol="0">
-            <a:spAutoFit/>
-          </a:bodyPr>
-          <a:lstStyle/>
-          <a:p>
-            <a:r>
-              <a:rPr lang="fr-FR" sz="2800" dirty="0">
-                <a:solidFill>
-                  <a:schemeClr val="bg1"/>
-                </a:solidFill>
-              </a:rPr>
-              <a:t>Excel</a:t>
-            </a:r>
+      <p:sp>
+        <p:nvSpPr>
+          <p:cNvPr id="4" name="Espace réservé du numéro de diapositive 3">
+            <a:extLst>
+              <a:ext uri="{FF2B5EF4-FFF2-40B4-BE49-F238E27FC236}">
+                <a16:creationId xmlns:a16="http://schemas.microsoft.com/office/drawing/2014/main" id="{31DFCFB3-2ACF-979C-7CAD-E072499AC935}"/>
+              </a:ext>
+            </a:extLst>
+          </p:cNvPr>
+          <p:cNvSpPr>
+            <a:spLocks noGrp="1"/>
+          </p:cNvSpPr>
+          <p:nvPr>
+            <p:ph type="sldNum" sz="quarter" idx="12"/>
+          </p:nvPr>
+        </p:nvSpPr>
+        <p:spPr/>
+        <p:txBody>
+          <a:bodyPr/>
+          <a:lstStyle/>
+          <a:p>
+            <a:fld id="{08BA99BA-266B-4387-B2FD-0601F956CE29}" type="slidenum">
+              <a:rPr lang="fr-FR" smtClean="0"/>
+              <a:t>4</a:t>
+            </a:fld>
+            <a:endParaRPr lang="fr-FR"/>
           </a:p>
         </p:txBody>
       </p:sp>
     </p:spTree>
     <p:extLst>
       <p:ext uri="{BB962C8B-B14F-4D97-AF65-F5344CB8AC3E}">
-        <p14:creationId xmlns:p14="http://schemas.microsoft.com/office/powerpoint/2010/main" val="168645913"/>
+        <p14:creationId xmlns:p14="http://schemas.microsoft.com/office/powerpoint/2010/main" val="770272775"/>
       </p:ext>
     </p:extLst>
   </p:cSld>
@@ -5362,43 +5500,10 @@
       </p:grpSpPr>
       <p:sp>
         <p:nvSpPr>
-          <p:cNvPr id="2" name="Titre 1">
-            <a:extLst>
-              <a:ext uri="{FF2B5EF4-FFF2-40B4-BE49-F238E27FC236}">
-                <a16:creationId xmlns:a16="http://schemas.microsoft.com/office/drawing/2014/main" id="{8131389F-F8E7-0299-13BE-21286F87B6D8}"/>
-              </a:ext>
-            </a:extLst>
-          </p:cNvPr>
-          <p:cNvSpPr>
-            <a:spLocks noGrp="1"/>
-          </p:cNvSpPr>
-          <p:nvPr>
-            <p:ph type="title"/>
-          </p:nvPr>
-        </p:nvSpPr>
-        <p:spPr>
-          <a:xfrm>
-            <a:off x="4848225" y="317500"/>
-            <a:ext cx="10515600" cy="1325563"/>
-          </a:xfrm>
-        </p:spPr>
-        <p:txBody>
-          <a:bodyPr/>
-          <a:lstStyle/>
-          <a:p>
-            <a:r>
-              <a:rPr lang="fr-FR" dirty="0"/>
-              <a:t>Schéma</a:t>
-            </a:r>
-          </a:p>
-        </p:txBody>
-      </p:sp>
-      <p:sp>
-        <p:nvSpPr>
-          <p:cNvPr id="3" name="Rectangle 2">
-            <a:extLst>
-              <a:ext uri="{FF2B5EF4-FFF2-40B4-BE49-F238E27FC236}">
-                <a16:creationId xmlns:a16="http://schemas.microsoft.com/office/drawing/2014/main" id="{7B75E67E-B686-4BE6-296D-836174DD44B9}"/>
+          <p:cNvPr id="2" name="Rectangle 1">
+            <a:extLst>
+              <a:ext uri="{FF2B5EF4-FFF2-40B4-BE49-F238E27FC236}">
+                <a16:creationId xmlns:a16="http://schemas.microsoft.com/office/drawing/2014/main" id="{9F487979-A199-D677-6082-7EC34FE77281}"/>
               </a:ext>
             </a:extLst>
           </p:cNvPr>
@@ -5408,13 +5513,13 @@
         <p:spPr>
           <a:xfrm>
             <a:off x="0" y="0"/>
-            <a:ext cx="12192000" cy="6858000"/>
+            <a:ext cx="12192000" cy="3694506"/>
           </a:xfrm>
           <a:prstGeom prst="rect">
             <a:avLst/>
           </a:prstGeom>
           <a:solidFill>
-            <a:srgbClr val="002060"/>
+            <a:srgbClr val="29077D"/>
           </a:solidFill>
           <a:ln>
             <a:noFill/>
@@ -5447,43 +5552,137 @@
       </p:sp>
       <p:pic>
         <p:nvPicPr>
-          <p:cNvPr id="5" name="Espace réservé du contenu 4" descr="Une image contenant capture d’écran, ligne, diagramme, conception&#10;&#10;Description générée automatiquement">
-            <a:extLst>
-              <a:ext uri="{FF2B5EF4-FFF2-40B4-BE49-F238E27FC236}">
-                <a16:creationId xmlns:a16="http://schemas.microsoft.com/office/drawing/2014/main" id="{718C239E-8331-A58A-6A3F-E248B33CCD94}"/>
+          <p:cNvPr id="7" name="Image 6">
+            <a:extLst>
+              <a:ext uri="{FF2B5EF4-FFF2-40B4-BE49-F238E27FC236}">
+                <a16:creationId xmlns:a16="http://schemas.microsoft.com/office/drawing/2014/main" id="{D546CBAB-BF4B-33B3-FE77-E55FB3D21F92}"/>
               </a:ext>
             </a:extLst>
           </p:cNvPr>
           <p:cNvPicPr>
-            <a:picLocks noGrp="1" noChangeAspect="1"/>
+            <a:picLocks noChangeAspect="1"/>
           </p:cNvPicPr>
-          <p:nvPr>
-            <p:ph idx="1"/>
-          </p:nvPr>
+          <p:nvPr/>
         </p:nvPicPr>
         <p:blipFill>
-          <a:blip r:embed="rId2">
-            <a:extLst>
-              <a:ext uri="{28A0092B-C50C-407E-A947-70E740481C1C}">
-                <a14:useLocalDpi xmlns:a14="http://schemas.microsoft.com/office/drawing/2010/main" val="0"/>
-              </a:ext>
-            </a:extLst>
-          </a:blip>
+          <a:blip r:embed="rId2"/>
           <a:stretch>
             <a:fillRect/>
           </a:stretch>
         </p:blipFill>
         <p:spPr>
           <a:xfrm>
-            <a:off x="217605" y="893745"/>
-            <a:ext cx="11756790" cy="5070510"/>
+            <a:off x="0" y="955875"/>
+            <a:ext cx="11830387" cy="2186778"/>
           </a:xfrm>
+          <a:prstGeom prst="rect">
+            <a:avLst/>
+          </a:prstGeom>
         </p:spPr>
       </p:pic>
+      <p:pic>
+        <p:nvPicPr>
+          <p:cNvPr id="4" name="Image 3">
+            <a:extLst>
+              <a:ext uri="{FF2B5EF4-FFF2-40B4-BE49-F238E27FC236}">
+                <a16:creationId xmlns:a16="http://schemas.microsoft.com/office/drawing/2014/main" id="{84D0C839-0794-ECEF-D6A2-83E3B13E7028}"/>
+              </a:ext>
+            </a:extLst>
+          </p:cNvPr>
+          <p:cNvPicPr>
+            <a:picLocks noChangeAspect="1"/>
+          </p:cNvPicPr>
+          <p:nvPr/>
+        </p:nvPicPr>
+        <p:blipFill>
+          <a:blip r:embed="rId3"/>
+          <a:stretch>
+            <a:fillRect/>
+          </a:stretch>
+        </p:blipFill>
+        <p:spPr>
+          <a:xfrm>
+            <a:off x="0" y="4777577"/>
+            <a:ext cx="12192000" cy="1000202"/>
+          </a:xfrm>
+          <a:prstGeom prst="rect">
+            <a:avLst/>
+          </a:prstGeom>
+        </p:spPr>
+      </p:pic>
+      <p:sp>
+        <p:nvSpPr>
+          <p:cNvPr id="5" name="ZoneTexte 4">
+            <a:extLst>
+              <a:ext uri="{FF2B5EF4-FFF2-40B4-BE49-F238E27FC236}">
+                <a16:creationId xmlns:a16="http://schemas.microsoft.com/office/drawing/2014/main" id="{D5302960-0C2A-A819-2923-641A34B03DF7}"/>
+              </a:ext>
+            </a:extLst>
+          </p:cNvPr>
+          <p:cNvSpPr txBox="1"/>
+          <p:nvPr/>
+        </p:nvSpPr>
+        <p:spPr>
+          <a:xfrm>
+            <a:off x="3120887" y="337930"/>
+            <a:ext cx="6867939" cy="523220"/>
+          </a:xfrm>
+          <a:prstGeom prst="rect">
+            <a:avLst/>
+          </a:prstGeom>
+          <a:noFill/>
+        </p:spPr>
+        <p:txBody>
+          <a:bodyPr wrap="square" rtlCol="0">
+            <a:spAutoFit/>
+          </a:bodyPr>
+          <a:lstStyle/>
+          <a:p>
+            <a:pPr algn="ctr"/>
+            <a:r>
+              <a:rPr lang="fr-FR" sz="2800" dirty="0">
+                <a:solidFill>
+                  <a:schemeClr val="bg1"/>
+                </a:solidFill>
+              </a:rPr>
+              <a:t>Plan d’adressage </a:t>
+            </a:r>
+          </a:p>
+        </p:txBody>
+      </p:sp>
+      <p:sp>
+        <p:nvSpPr>
+          <p:cNvPr id="6" name="Espace réservé du numéro de diapositive 5">
+            <a:extLst>
+              <a:ext uri="{FF2B5EF4-FFF2-40B4-BE49-F238E27FC236}">
+                <a16:creationId xmlns:a16="http://schemas.microsoft.com/office/drawing/2014/main" id="{9DCF3729-D5EC-94FB-CC15-451F7A35E5E2}"/>
+              </a:ext>
+            </a:extLst>
+          </p:cNvPr>
+          <p:cNvSpPr>
+            <a:spLocks noGrp="1"/>
+          </p:cNvSpPr>
+          <p:nvPr>
+            <p:ph type="sldNum" sz="quarter" idx="12"/>
+          </p:nvPr>
+        </p:nvSpPr>
+        <p:spPr/>
+        <p:txBody>
+          <a:bodyPr/>
+          <a:lstStyle/>
+          <a:p>
+            <a:fld id="{08BA99BA-266B-4387-B2FD-0601F956CE29}" type="slidenum">
+              <a:rPr lang="fr-FR" smtClean="0"/>
+              <a:t>5</a:t>
+            </a:fld>
+            <a:endParaRPr lang="fr-FR"/>
+          </a:p>
+        </p:txBody>
+      </p:sp>
     </p:spTree>
     <p:extLst>
       <p:ext uri="{BB962C8B-B14F-4D97-AF65-F5344CB8AC3E}">
-        <p14:creationId xmlns:p14="http://schemas.microsoft.com/office/powerpoint/2010/main" val="770272775"/>
+        <p14:creationId xmlns:p14="http://schemas.microsoft.com/office/powerpoint/2010/main" val="2522159611"/>
       </p:ext>
     </p:extLst>
   </p:cSld>
@@ -5524,10 +5723,10 @@
       </p:grpSpPr>
       <p:sp>
         <p:nvSpPr>
-          <p:cNvPr id="2" name="Rectangle 1">
-            <a:extLst>
-              <a:ext uri="{FF2B5EF4-FFF2-40B4-BE49-F238E27FC236}">
-                <a16:creationId xmlns:a16="http://schemas.microsoft.com/office/drawing/2014/main" id="{9F487979-A199-D677-6082-7EC34FE77281}"/>
+          <p:cNvPr id="4" name="Rectangle 3">
+            <a:extLst>
+              <a:ext uri="{FF2B5EF4-FFF2-40B4-BE49-F238E27FC236}">
+                <a16:creationId xmlns:a16="http://schemas.microsoft.com/office/drawing/2014/main" id="{93776A98-B744-C5CC-89FA-D5F8EA0C59D4}"/>
               </a:ext>
             </a:extLst>
           </p:cNvPr>
@@ -5536,8 +5735,8 @@
         </p:nvSpPr>
         <p:spPr>
           <a:xfrm>
-            <a:off x="0" y="0"/>
-            <a:ext cx="12192000" cy="3694506"/>
+            <a:off x="5812971" y="0"/>
+            <a:ext cx="6379029" cy="6858000"/>
           </a:xfrm>
           <a:prstGeom prst="rect">
             <a:avLst/>
@@ -5574,110 +5773,88 @@
           </a:p>
         </p:txBody>
       </p:sp>
-      <p:pic>
-        <p:nvPicPr>
-          <p:cNvPr id="7" name="Image 6">
-            <a:extLst>
-              <a:ext uri="{FF2B5EF4-FFF2-40B4-BE49-F238E27FC236}">
-                <a16:creationId xmlns:a16="http://schemas.microsoft.com/office/drawing/2014/main" id="{D546CBAB-BF4B-33B3-FE77-E55FB3D21F92}"/>
-              </a:ext>
-            </a:extLst>
-          </p:cNvPr>
-          <p:cNvPicPr>
-            <a:picLocks noChangeAspect="1"/>
-          </p:cNvPicPr>
-          <p:nvPr/>
-        </p:nvPicPr>
-        <p:blipFill>
-          <a:blip r:embed="rId2"/>
-          <a:stretch>
-            <a:fillRect/>
-          </a:stretch>
-        </p:blipFill>
+      <p:sp>
+        <p:nvSpPr>
+          <p:cNvPr id="2" name="Titre 1">
+            <a:extLst>
+              <a:ext uri="{FF2B5EF4-FFF2-40B4-BE49-F238E27FC236}">
+                <a16:creationId xmlns:a16="http://schemas.microsoft.com/office/drawing/2014/main" id="{8131389F-F8E7-0299-13BE-21286F87B6D8}"/>
+              </a:ext>
+            </a:extLst>
+          </p:cNvPr>
+          <p:cNvSpPr>
+            <a:spLocks noGrp="1"/>
+          </p:cNvSpPr>
+          <p:nvPr>
+            <p:ph type="title"/>
+          </p:nvPr>
+        </p:nvSpPr>
         <p:spPr>
           <a:xfrm>
-            <a:off x="0" y="955875"/>
-            <a:ext cx="11830387" cy="2186778"/>
+            <a:off x="3482009" y="2865609"/>
+            <a:ext cx="8554278" cy="1325563"/>
           </a:xfrm>
-          <a:prstGeom prst="rect">
-            <a:avLst/>
-          </a:prstGeom>
         </p:spPr>
-      </p:pic>
-      <p:pic>
-        <p:nvPicPr>
-          <p:cNvPr id="4" name="Image 3">
-            <a:extLst>
-              <a:ext uri="{FF2B5EF4-FFF2-40B4-BE49-F238E27FC236}">
-                <a16:creationId xmlns:a16="http://schemas.microsoft.com/office/drawing/2014/main" id="{84D0C839-0794-ECEF-D6A2-83E3B13E7028}"/>
-              </a:ext>
-            </a:extLst>
-          </p:cNvPr>
-          <p:cNvPicPr>
-            <a:picLocks noChangeAspect="1"/>
-          </p:cNvPicPr>
-          <p:nvPr/>
-        </p:nvPicPr>
-        <p:blipFill>
-          <a:blip r:embed="rId3"/>
-          <a:stretch>
-            <a:fillRect/>
-          </a:stretch>
-        </p:blipFill>
-        <p:spPr>
-          <a:xfrm>
-            <a:off x="0" y="4777577"/>
-            <a:ext cx="12192000" cy="1000202"/>
-          </a:xfrm>
-          <a:prstGeom prst="rect">
-            <a:avLst/>
-          </a:prstGeom>
-        </p:spPr>
-      </p:pic>
-      <p:sp>
-        <p:nvSpPr>
-          <p:cNvPr id="5" name="ZoneTexte 4">
-            <a:extLst>
-              <a:ext uri="{FF2B5EF4-FFF2-40B4-BE49-F238E27FC236}">
-                <a16:creationId xmlns:a16="http://schemas.microsoft.com/office/drawing/2014/main" id="{D5302960-0C2A-A819-2923-641A34B03DF7}"/>
-              </a:ext>
-            </a:extLst>
-          </p:cNvPr>
-          <p:cNvSpPr txBox="1"/>
-          <p:nvPr/>
-        </p:nvSpPr>
-        <p:spPr>
-          <a:xfrm>
-            <a:off x="3120887" y="337930"/>
-            <a:ext cx="6867939" cy="523220"/>
-          </a:xfrm>
-          <a:prstGeom prst="rect">
-            <a:avLst/>
-          </a:prstGeom>
-          <a:noFill/>
-        </p:spPr>
-        <p:txBody>
-          <a:bodyPr wrap="square" rtlCol="0">
-            <a:spAutoFit/>
-          </a:bodyPr>
-          <a:lstStyle/>
-          <a:p>
-            <a:pPr algn="ctr"/>
-            <a:r>
-              <a:rPr lang="fr-FR" sz="2800" dirty="0">
+        <p:txBody>
+          <a:bodyPr/>
+          <a:lstStyle/>
+          <a:p>
+            <a:r>
+              <a:rPr lang="fr-FR" dirty="0">
+                <a:solidFill>
+                  <a:srgbClr val="29077D"/>
+                </a:solidFill>
+              </a:rPr>
+              <a:t>Maquette</a:t>
+            </a:r>
+            <a:r>
+              <a:rPr lang="fr-FR" dirty="0"/>
+              <a:t> </a:t>
+            </a:r>
+            <a:r>
+              <a:rPr lang="fr-FR" dirty="0">
                 <a:solidFill>
                   <a:schemeClr val="bg1"/>
                 </a:solidFill>
               </a:rPr>
-              <a:t>Plan d’adressage </a:t>
-            </a:r>
+              <a:t>Fonctionnelle</a:t>
+            </a:r>
+          </a:p>
+        </p:txBody>
+      </p:sp>
+      <p:sp>
+        <p:nvSpPr>
+          <p:cNvPr id="5" name="Espace réservé du numéro de diapositive 4">
+            <a:extLst>
+              <a:ext uri="{FF2B5EF4-FFF2-40B4-BE49-F238E27FC236}">
+                <a16:creationId xmlns:a16="http://schemas.microsoft.com/office/drawing/2014/main" id="{F0429F57-30CF-91E3-D77A-F1C7DECBA4E1}"/>
+              </a:ext>
+            </a:extLst>
+          </p:cNvPr>
+          <p:cNvSpPr>
+            <a:spLocks noGrp="1"/>
+          </p:cNvSpPr>
+          <p:nvPr>
+            <p:ph type="sldNum" sz="quarter" idx="12"/>
+          </p:nvPr>
+        </p:nvSpPr>
+        <p:spPr/>
+        <p:txBody>
+          <a:bodyPr/>
+          <a:lstStyle/>
+          <a:p>
+            <a:fld id="{08BA99BA-266B-4387-B2FD-0601F956CE29}" type="slidenum">
+              <a:rPr lang="fr-FR" smtClean="0"/>
+              <a:t>6</a:t>
+            </a:fld>
+            <a:endParaRPr lang="fr-FR"/>
           </a:p>
         </p:txBody>
       </p:sp>
     </p:spTree>
     <p:extLst>
       <p:ext uri="{BB962C8B-B14F-4D97-AF65-F5344CB8AC3E}">
-        <p14:creationId xmlns:p14="http://schemas.microsoft.com/office/powerpoint/2010/main" val="2522159611"/>
+        <p14:creationId xmlns:p14="http://schemas.microsoft.com/office/powerpoint/2010/main" val="2341269765"/>
       </p:ext>
     </p:extLst>
   </p:cSld>
@@ -5718,10 +5895,10 @@
       </p:grpSpPr>
       <p:sp>
         <p:nvSpPr>
-          <p:cNvPr id="4" name="Rectangle 3">
-            <a:extLst>
-              <a:ext uri="{FF2B5EF4-FFF2-40B4-BE49-F238E27FC236}">
-                <a16:creationId xmlns:a16="http://schemas.microsoft.com/office/drawing/2014/main" id="{93776A98-B744-C5CC-89FA-D5F8EA0C59D4}"/>
+          <p:cNvPr id="3" name="Rectangle 2">
+            <a:extLst>
+              <a:ext uri="{FF2B5EF4-FFF2-40B4-BE49-F238E27FC236}">
+                <a16:creationId xmlns:a16="http://schemas.microsoft.com/office/drawing/2014/main" id="{0C8ADBFB-BED3-0D4F-3B50-A0D9397829DF}"/>
               </a:ext>
             </a:extLst>
           </p:cNvPr>
@@ -5730,7 +5907,7 @@
         </p:nvSpPr>
         <p:spPr>
           <a:xfrm>
-            <a:off x="5812971" y="0"/>
+            <a:off x="0" y="-1257"/>
             <a:ext cx="6379029" cy="6858000"/>
           </a:xfrm>
           <a:prstGeom prst="rect">
@@ -5786,8 +5963,8 @@
         </p:nvSpPr>
         <p:spPr>
           <a:xfrm>
-            <a:off x="3482009" y="2865609"/>
-            <a:ext cx="8554278" cy="1325563"/>
+            <a:off x="6732570" y="2585636"/>
+            <a:ext cx="10515600" cy="1325563"/>
           </a:xfrm>
         </p:spPr>
         <p:txBody>
@@ -5795,32 +5972,81 @@
           <a:lstStyle/>
           <a:p>
             <a:r>
-              <a:rPr lang="fr-FR" dirty="0">
-                <a:solidFill>
-                  <a:srgbClr val="29077D"/>
-                </a:solidFill>
-              </a:rPr>
-              <a:t>Maquette</a:t>
-            </a:r>
-            <a:r>
               <a:rPr lang="fr-FR" dirty="0"/>
-              <a:t> </a:t>
-            </a:r>
-            <a:r>
-              <a:rPr lang="fr-FR" dirty="0">
-                <a:solidFill>
-                  <a:schemeClr val="bg1"/>
-                </a:solidFill>
-              </a:rPr>
-              <a:t>Fonctionnelle</a:t>
-            </a:r>
+              <a:t>Routeur</a:t>
+            </a:r>
+          </a:p>
+        </p:txBody>
+      </p:sp>
+      <p:pic>
+        <p:nvPicPr>
+          <p:cNvPr id="7" name="Image 6" descr="Une image contenant texte, Police, capture d’écran&#10;&#10;Description générée automatiquement">
+            <a:extLst>
+              <a:ext uri="{FF2B5EF4-FFF2-40B4-BE49-F238E27FC236}">
+                <a16:creationId xmlns:a16="http://schemas.microsoft.com/office/drawing/2014/main" id="{9199704A-93C7-0F06-725F-75E9E72CB1E4}"/>
+              </a:ext>
+            </a:extLst>
+          </p:cNvPr>
+          <p:cNvPicPr>
+            <a:picLocks noChangeAspect="1"/>
+          </p:cNvPicPr>
+          <p:nvPr/>
+        </p:nvPicPr>
+        <p:blipFill>
+          <a:blip r:embed="rId2">
+            <a:extLst>
+              <a:ext uri="{28A0092B-C50C-407E-A947-70E740481C1C}">
+                <a14:useLocalDpi xmlns:a14="http://schemas.microsoft.com/office/drawing/2010/main" val="0"/>
+              </a:ext>
+            </a:extLst>
+          </a:blip>
+          <a:stretch>
+            <a:fillRect/>
+          </a:stretch>
+        </p:blipFill>
+        <p:spPr>
+          <a:xfrm>
+            <a:off x="353541" y="2636036"/>
+            <a:ext cx="5742459" cy="1224764"/>
+          </a:xfrm>
+          <a:prstGeom prst="rect">
+            <a:avLst/>
+          </a:prstGeom>
+        </p:spPr>
+      </p:pic>
+      <p:sp>
+        <p:nvSpPr>
+          <p:cNvPr id="8" name="Espace réservé du numéro de diapositive 7">
+            <a:extLst>
+              <a:ext uri="{FF2B5EF4-FFF2-40B4-BE49-F238E27FC236}">
+                <a16:creationId xmlns:a16="http://schemas.microsoft.com/office/drawing/2014/main" id="{E007E830-0DED-0550-6FB0-A42B594D5B16}"/>
+              </a:ext>
+            </a:extLst>
+          </p:cNvPr>
+          <p:cNvSpPr>
+            <a:spLocks noGrp="1"/>
+          </p:cNvSpPr>
+          <p:nvPr>
+            <p:ph type="sldNum" sz="quarter" idx="12"/>
+          </p:nvPr>
+        </p:nvSpPr>
+        <p:spPr/>
+        <p:txBody>
+          <a:bodyPr/>
+          <a:lstStyle/>
+          <a:p>
+            <a:fld id="{08BA99BA-266B-4387-B2FD-0601F956CE29}" type="slidenum">
+              <a:rPr lang="fr-FR" smtClean="0"/>
+              <a:t>7</a:t>
+            </a:fld>
+            <a:endParaRPr lang="fr-FR"/>
           </a:p>
         </p:txBody>
       </p:sp>
     </p:spTree>
     <p:extLst>
       <p:ext uri="{BB962C8B-B14F-4D97-AF65-F5344CB8AC3E}">
-        <p14:creationId xmlns:p14="http://schemas.microsoft.com/office/powerpoint/2010/main" val="2341269765"/>
+        <p14:creationId xmlns:p14="http://schemas.microsoft.com/office/powerpoint/2010/main" val="2829243526"/>
       </p:ext>
     </p:extLst>
   </p:cSld>
@@ -5861,10 +6087,10 @@
       </p:grpSpPr>
       <p:sp>
         <p:nvSpPr>
-          <p:cNvPr id="3" name="Rectangle 2">
-            <a:extLst>
-              <a:ext uri="{FF2B5EF4-FFF2-40B4-BE49-F238E27FC236}">
-                <a16:creationId xmlns:a16="http://schemas.microsoft.com/office/drawing/2014/main" id="{0C8ADBFB-BED3-0D4F-3B50-A0D9397829DF}"/>
+          <p:cNvPr id="4" name="Rectangle 3">
+            <a:extLst>
+              <a:ext uri="{FF2B5EF4-FFF2-40B4-BE49-F238E27FC236}">
+                <a16:creationId xmlns:a16="http://schemas.microsoft.com/office/drawing/2014/main" id="{E7CAB59B-DB4F-5772-8923-DFDC91BF3104}"/>
               </a:ext>
             </a:extLst>
           </p:cNvPr>
@@ -5873,8 +6099,8 @@
         </p:nvSpPr>
         <p:spPr>
           <a:xfrm>
-            <a:off x="0" y="-1257"/>
-            <a:ext cx="6379029" cy="6858000"/>
+            <a:off x="0" y="3418929"/>
+            <a:ext cx="12192000" cy="3429001"/>
           </a:xfrm>
           <a:prstGeom prst="rect">
             <a:avLst/>
@@ -5929,8 +6155,8 @@
         </p:nvSpPr>
         <p:spPr>
           <a:xfrm>
-            <a:off x="6732570" y="2585636"/>
-            <a:ext cx="10515600" cy="1325563"/>
+            <a:off x="4798391" y="4181751"/>
+            <a:ext cx="2595217" cy="1325563"/>
           </a:xfrm>
         </p:spPr>
         <p:txBody>
@@ -5938,52 +6164,49 @@
           <a:lstStyle/>
           <a:p>
             <a:r>
-              <a:rPr lang="fr-FR" dirty="0"/>
-              <a:t>Routeur</a:t>
-            </a:r>
-          </a:p>
-        </p:txBody>
-      </p:sp>
-      <p:pic>
-        <p:nvPicPr>
-          <p:cNvPr id="7" name="Image 6" descr="Une image contenant texte, Police, capture d’écran&#10;&#10;Description générée automatiquement">
-            <a:extLst>
-              <a:ext uri="{FF2B5EF4-FFF2-40B4-BE49-F238E27FC236}">
-                <a16:creationId xmlns:a16="http://schemas.microsoft.com/office/drawing/2014/main" id="{9199704A-93C7-0F06-725F-75E9E72CB1E4}"/>
-              </a:ext>
-            </a:extLst>
-          </p:cNvPr>
-          <p:cNvPicPr>
-            <a:picLocks noChangeAspect="1"/>
-          </p:cNvPicPr>
-          <p:nvPr/>
-        </p:nvPicPr>
-        <p:blipFill>
-          <a:blip r:embed="rId2">
-            <a:extLst>
-              <a:ext uri="{28A0092B-C50C-407E-A947-70E740481C1C}">
-                <a14:useLocalDpi xmlns:a14="http://schemas.microsoft.com/office/drawing/2010/main" val="0"/>
-              </a:ext>
-            </a:extLst>
-          </a:blip>
-          <a:stretch>
-            <a:fillRect/>
-          </a:stretch>
-        </p:blipFill>
-        <p:spPr>
-          <a:xfrm>
-            <a:off x="353541" y="2636036"/>
-            <a:ext cx="5742459" cy="1224764"/>
-          </a:xfrm>
-          <a:prstGeom prst="rect">
-            <a:avLst/>
-          </a:prstGeom>
-        </p:spPr>
-      </p:pic>
+              <a:rPr lang="fr-FR" dirty="0">
+                <a:solidFill>
+                  <a:schemeClr val="bg1"/>
+                </a:solidFill>
+              </a:rPr>
+              <a:t>Sécurité</a:t>
+            </a:r>
+          </a:p>
+        </p:txBody>
+      </p:sp>
+      <p:sp>
+        <p:nvSpPr>
+          <p:cNvPr id="5" name="Espace réservé du numéro de diapositive 4">
+            <a:extLst>
+              <a:ext uri="{FF2B5EF4-FFF2-40B4-BE49-F238E27FC236}">
+                <a16:creationId xmlns:a16="http://schemas.microsoft.com/office/drawing/2014/main" id="{512C1AB0-FEE8-FF0D-9439-0F6D52CD5C64}"/>
+              </a:ext>
+            </a:extLst>
+          </p:cNvPr>
+          <p:cNvSpPr>
+            <a:spLocks noGrp="1"/>
+          </p:cNvSpPr>
+          <p:nvPr>
+            <p:ph type="sldNum" sz="quarter" idx="12"/>
+          </p:nvPr>
+        </p:nvSpPr>
+        <p:spPr/>
+        <p:txBody>
+          <a:bodyPr/>
+          <a:lstStyle/>
+          <a:p>
+            <a:fld id="{08BA99BA-266B-4387-B2FD-0601F956CE29}" type="slidenum">
+              <a:rPr lang="fr-FR" smtClean="0"/>
+              <a:t>8</a:t>
+            </a:fld>
+            <a:endParaRPr lang="fr-FR"/>
+          </a:p>
+        </p:txBody>
+      </p:sp>
     </p:spTree>
     <p:extLst>
       <p:ext uri="{BB962C8B-B14F-4D97-AF65-F5344CB8AC3E}">
-        <p14:creationId xmlns:p14="http://schemas.microsoft.com/office/powerpoint/2010/main" val="2829243526"/>
+        <p14:creationId xmlns:p14="http://schemas.microsoft.com/office/powerpoint/2010/main" val="2743465684"/>
       </p:ext>
     </p:extLst>
   </p:cSld>
@@ -6027,7 +6250,7 @@
           <p:cNvPr id="4" name="Rectangle 3">
             <a:extLst>
               <a:ext uri="{FF2B5EF4-FFF2-40B4-BE49-F238E27FC236}">
-                <a16:creationId xmlns:a16="http://schemas.microsoft.com/office/drawing/2014/main" id="{E7CAB59B-DB4F-5772-8923-DFDC91BF3104}"/>
+                <a16:creationId xmlns:a16="http://schemas.microsoft.com/office/drawing/2014/main" id="{3A018A47-92E0-9590-5520-F0037EB37675}"/>
               </a:ext>
             </a:extLst>
           </p:cNvPr>
@@ -6036,7 +6259,7 @@
         </p:nvSpPr>
         <p:spPr>
           <a:xfrm>
-            <a:off x="0" y="3418929"/>
+            <a:off x="0" y="0"/>
             <a:ext cx="12192000" cy="3429001"/>
           </a:xfrm>
           <a:prstGeom prst="rect">
@@ -6092,8 +6315,8 @@
         </p:nvSpPr>
         <p:spPr>
           <a:xfrm>
-            <a:off x="4798391" y="4181751"/>
-            <a:ext cx="2595217" cy="1325563"/>
+            <a:off x="3246672" y="388937"/>
+            <a:ext cx="5698655" cy="1325563"/>
           </a:xfrm>
         </p:spPr>
         <p:txBody>
@@ -6106,15 +6329,119 @@
                   <a:schemeClr val="bg1"/>
                 </a:solidFill>
               </a:rPr>
+              <a:t>Amélioration possible</a:t>
+            </a:r>
+          </a:p>
+        </p:txBody>
+      </p:sp>
+      <p:sp>
+        <p:nvSpPr>
+          <p:cNvPr id="3" name="Espace réservé du contenu 2">
+            <a:extLst>
+              <a:ext uri="{FF2B5EF4-FFF2-40B4-BE49-F238E27FC236}">
+                <a16:creationId xmlns:a16="http://schemas.microsoft.com/office/drawing/2014/main" id="{F60E2FE4-6DAE-1FA0-D6A4-56A126D3E97B}"/>
+              </a:ext>
+            </a:extLst>
+          </p:cNvPr>
+          <p:cNvSpPr>
+            <a:spLocks noGrp="1"/>
+          </p:cNvSpPr>
+          <p:nvPr>
+            <p:ph idx="1"/>
+          </p:nvPr>
+        </p:nvSpPr>
+        <p:spPr>
+          <a:xfrm>
+            <a:off x="1549952" y="4024641"/>
+            <a:ext cx="1696720" cy="631524"/>
+          </a:xfrm>
+        </p:spPr>
+        <p:txBody>
+          <a:bodyPr/>
+          <a:lstStyle/>
+          <a:p>
+            <a:r>
+              <a:rPr lang="fr-FR" dirty="0"/>
+              <a:t>Réseau</a:t>
+            </a:r>
+          </a:p>
+          <a:p>
+            <a:endParaRPr lang="fr-FR" dirty="0"/>
+          </a:p>
+        </p:txBody>
+      </p:sp>
+      <p:sp>
+        <p:nvSpPr>
+          <p:cNvPr id="5" name="ZoneTexte 4">
+            <a:extLst>
+              <a:ext uri="{FF2B5EF4-FFF2-40B4-BE49-F238E27FC236}">
+                <a16:creationId xmlns:a16="http://schemas.microsoft.com/office/drawing/2014/main" id="{0D686405-6197-734E-9AAF-531274019FD3}"/>
+              </a:ext>
+            </a:extLst>
+          </p:cNvPr>
+          <p:cNvSpPr txBox="1"/>
+          <p:nvPr/>
+        </p:nvSpPr>
+        <p:spPr>
+          <a:xfrm>
+            <a:off x="8803311" y="4024641"/>
+            <a:ext cx="1838737" cy="523220"/>
+          </a:xfrm>
+          <a:prstGeom prst="rect">
+            <a:avLst/>
+          </a:prstGeom>
+          <a:noFill/>
+        </p:spPr>
+        <p:txBody>
+          <a:bodyPr wrap="square" rtlCol="0">
+            <a:spAutoFit/>
+          </a:bodyPr>
+          <a:lstStyle/>
+          <a:p>
+            <a:pPr marL="457200" indent="-457200">
+              <a:buFont typeface="Arial" panose="020B0604020202020204" pitchFamily="34" charset="0"/>
+              <a:buChar char="•"/>
+            </a:pPr>
+            <a:r>
+              <a:rPr lang="fr-FR" sz="2800" dirty="0"/>
               <a:t>Sécurité</a:t>
             </a:r>
+          </a:p>
+        </p:txBody>
+      </p:sp>
+      <p:sp>
+        <p:nvSpPr>
+          <p:cNvPr id="6" name="Espace réservé du numéro de diapositive 5">
+            <a:extLst>
+              <a:ext uri="{FF2B5EF4-FFF2-40B4-BE49-F238E27FC236}">
+                <a16:creationId xmlns:a16="http://schemas.microsoft.com/office/drawing/2014/main" id="{30979627-F7D0-17B0-E3D0-EE01324D6E2C}"/>
+              </a:ext>
+            </a:extLst>
+          </p:cNvPr>
+          <p:cNvSpPr>
+            <a:spLocks noGrp="1"/>
+          </p:cNvSpPr>
+          <p:nvPr>
+            <p:ph type="sldNum" sz="quarter" idx="12"/>
+          </p:nvPr>
+        </p:nvSpPr>
+        <p:spPr/>
+        <p:txBody>
+          <a:bodyPr/>
+          <a:lstStyle/>
+          <a:p>
+            <a:fld id="{08BA99BA-266B-4387-B2FD-0601F956CE29}" type="slidenum">
+              <a:rPr lang="fr-FR" smtClean="0"/>
+              <a:t>9</a:t>
+            </a:fld>
+            <a:endParaRPr lang="fr-FR"/>
           </a:p>
         </p:txBody>
       </p:sp>
     </p:spTree>
     <p:extLst>
       <p:ext uri="{BB962C8B-B14F-4D97-AF65-F5344CB8AC3E}">
-        <p14:creationId xmlns:p14="http://schemas.microsoft.com/office/powerpoint/2010/main" val="2743465684"/>
+        <p14:creationId xmlns:p14="http://schemas.microsoft.com/office/powerpoint/2010/main" val="2915149297"/>
       </p:ext>
     </p:extLst>
   </p:cSld>
@@ -6724,4 +7051,299 @@
     </a:ext>
   </a:extLst>
 </a:theme>
+</file>
+
+<file path=ppt/theme/theme3.xml><?xml version="1.0" encoding="utf-8"?>
+<a:theme xmlns:a="http://schemas.openxmlformats.org/drawingml/2006/main" name="Thème Office">
+  <a:themeElements>
+    <a:clrScheme name="Office">
+      <a:dk1>
+        <a:sysClr val="windowText" lastClr="000000"/>
+      </a:dk1>
+      <a:lt1>
+        <a:sysClr val="window" lastClr="FFFFFF"/>
+      </a:lt1>
+      <a:dk2>
+        <a:srgbClr val="44546A"/>
+      </a:dk2>
+      <a:lt2>
+        <a:srgbClr val="E7E6E6"/>
+      </a:lt2>
+      <a:accent1>
+        <a:srgbClr val="4472C4"/>
+      </a:accent1>
+      <a:accent2>
+        <a:srgbClr val="ED7D31"/>
+      </a:accent2>
+      <a:accent3>
+        <a:srgbClr val="A5A5A5"/>
+      </a:accent3>
+      <a:accent4>
+        <a:srgbClr val="FFC000"/>
+      </a:accent4>
+      <a:accent5>
+        <a:srgbClr val="5B9BD5"/>
+      </a:accent5>
+      <a:accent6>
+        <a:srgbClr val="70AD47"/>
+      </a:accent6>
+      <a:hlink>
+        <a:srgbClr val="0563C1"/>
+      </a:hlink>
+      <a:folHlink>
+        <a:srgbClr val="954F72"/>
+      </a:folHlink>
+    </a:clrScheme>
+    <a:fontScheme name="Office">
+      <a:majorFont>
+        <a:latin typeface="Calibri Light" panose="020F0302020204030204"/>
+        <a:ea typeface=""/>
+        <a:cs typeface=""/>
+        <a:font script="Jpan" typeface="游ゴシック Light"/>
+        <a:font script="Hang" typeface="맑은 고딕"/>
+        <a:font script="Hans" typeface="等线 Light"/>
+        <a:font script="Hant" typeface="新細明體"/>
+        <a:font script="Arab" typeface="Times New Roman"/>
+        <a:font script="Hebr" typeface="Times New Roman"/>
+        <a:font script="Thai" typeface="Angsana New"/>
+        <a:font script="Ethi" typeface="Nyala"/>
+        <a:font script="Beng" typeface="Vrinda"/>
+        <a:font script="Gujr" typeface="Shruti"/>
+        <a:font script="Khmr" typeface="MoolBoran"/>
+        <a:font script="Knda" typeface="Tunga"/>
+        <a:font script="Guru" typeface="Raavi"/>
+        <a:font script="Cans" typeface="Euphemia"/>
+        <a:font script="Cher" typeface="Plantagenet Cherokee"/>
+        <a:font script="Yiii" typeface="Microsoft Yi Baiti"/>
+        <a:font script="Tibt" typeface="Microsoft Himalaya"/>
+        <a:font script="Thaa" typeface="MV Boli"/>
+        <a:font script="Deva" typeface="Mangal"/>
+        <a:font script="Telu" typeface="Gautami"/>
+        <a:font script="Taml" typeface="Latha"/>
+        <a:font script="Syrc" typeface="Estrangelo Edessa"/>
+        <a:font script="Orya" typeface="Kalinga"/>
+        <a:font script="Mlym" typeface="Kartika"/>
+        <a:font script="Laoo" typeface="DokChampa"/>
+        <a:font script="Sinh" typeface="Iskoola Pota"/>
+        <a:font script="Mong" typeface="Mongolian Baiti"/>
+        <a:font script="Viet" typeface="Times New Roman"/>
+        <a:font script="Uigh" typeface="Microsoft Uighur"/>
+        <a:font script="Geor" typeface="Sylfaen"/>
+        <a:font script="Armn" typeface="Arial"/>
+        <a:font script="Bugi" typeface="Leelawadee UI"/>
+        <a:font script="Bopo" typeface="Microsoft JhengHei"/>
+        <a:font script="Java" typeface="Javanese Text"/>
+        <a:font script="Lisu" typeface="Segoe UI"/>
+        <a:font script="Mymr" typeface="Myanmar Text"/>
+        <a:font script="Nkoo" typeface="Ebrima"/>
+        <a:font script="Olck" typeface="Nirmala UI"/>
+        <a:font script="Osma" typeface="Ebrima"/>
+        <a:font script="Phag" typeface="Phagspa"/>
+        <a:font script="Syrn" typeface="Estrangelo Edessa"/>
+        <a:font script="Syrj" typeface="Estrangelo Edessa"/>
+        <a:font script="Syre" typeface="Estrangelo Edessa"/>
+        <a:font script="Sora" typeface="Nirmala UI"/>
+        <a:font script="Tale" typeface="Microsoft Tai Le"/>
+        <a:font script="Talu" typeface="Microsoft New Tai Lue"/>
+        <a:font script="Tfng" typeface="Ebrima"/>
+      </a:majorFont>
+      <a:minorFont>
+        <a:latin typeface="Calibri" panose="020F0502020204030204"/>
+        <a:ea typeface=""/>
+        <a:cs typeface=""/>
+        <a:font script="Jpan" typeface="游ゴシック"/>
+        <a:font script="Hang" typeface="맑은 고딕"/>
+        <a:font script="Hans" typeface="等线"/>
+        <a:font script="Hant" typeface="新細明體"/>
+        <a:font script="Arab" typeface="Arial"/>
+        <a:font script="Hebr" typeface="Arial"/>
+        <a:font script="Thai" typeface="Cordia New"/>
+        <a:font script="Ethi" typeface="Nyala"/>
+        <a:font script="Beng" typeface="Vrinda"/>
+        <a:font script="Gujr" typeface="Shruti"/>
+        <a:font script="Khmr" typeface="DaunPenh"/>
+        <a:font script="Knda" typeface="Tunga"/>
+        <a:font script="Guru" typeface="Raavi"/>
+        <a:font script="Cans" typeface="Euphemia"/>
+        <a:font script="Cher" typeface="Plantagenet Cherokee"/>
+        <a:font script="Yiii" typeface="Microsoft Yi Baiti"/>
+        <a:font script="Tibt" typeface="Microsoft Himalaya"/>
+        <a:font script="Thaa" typeface="MV Boli"/>
+        <a:font script="Deva" typeface="Mangal"/>
+        <a:font script="Telu" typeface="Gautami"/>
+        <a:font script="Taml" typeface="Latha"/>
+        <a:font script="Syrc" typeface="Estrangelo Edessa"/>
+        <a:font script="Orya" typeface="Kalinga"/>
+        <a:font script="Mlym" typeface="Kartika"/>
+        <a:font script="Laoo" typeface="DokChampa"/>
+        <a:font script="Sinh" typeface="Iskoola Pota"/>
+        <a:font script="Mong" typeface="Mongolian Baiti"/>
+        <a:font script="Viet" typeface="Arial"/>
+        <a:font script="Uigh" typeface="Microsoft Uighur"/>
+        <a:font script="Geor" typeface="Sylfaen"/>
+        <a:font script="Armn" typeface="Arial"/>
+        <a:font script="Bugi" typeface="Leelawadee UI"/>
+        <a:font script="Bopo" typeface="Microsoft JhengHei"/>
+        <a:font script="Java" typeface="Javanese Text"/>
+        <a:font script="Lisu" typeface="Segoe UI"/>
+        <a:font script="Mymr" typeface="Myanmar Text"/>
+        <a:font script="Nkoo" typeface="Ebrima"/>
+        <a:font script="Olck" typeface="Nirmala UI"/>
+        <a:font script="Osma" typeface="Ebrima"/>
+        <a:font script="Phag" typeface="Phagspa"/>
+        <a:font script="Syrn" typeface="Estrangelo Edessa"/>
+        <a:font script="Syrj" typeface="Estrangelo Edessa"/>
+        <a:font script="Syre" typeface="Estrangelo Edessa"/>
+        <a:font script="Sora" typeface="Nirmala UI"/>
+        <a:font script="Tale" typeface="Microsoft Tai Le"/>
+        <a:font script="Talu" typeface="Microsoft New Tai Lue"/>
+        <a:font script="Tfng" typeface="Ebrima"/>
+      </a:minorFont>
+    </a:fontScheme>
+    <a:fmtScheme name="Office">
+      <a:fillStyleLst>
+        <a:solidFill>
+          <a:schemeClr val="phClr"/>
+        </a:solidFill>
+        <a:gradFill rotWithShape="1">
+          <a:gsLst>
+            <a:gs pos="0">
+              <a:schemeClr val="phClr">
+                <a:lumMod val="110000"/>
+                <a:satMod val="105000"/>
+                <a:tint val="67000"/>
+              </a:schemeClr>
+            </a:gs>
+            <a:gs pos="50000">
+              <a:schemeClr val="phClr">
+                <a:lumMod val="105000"/>
+                <a:satMod val="103000"/>
+                <a:tint val="73000"/>
+              </a:schemeClr>
+            </a:gs>
+            <a:gs pos="100000">
+              <a:schemeClr val="phClr">
+                <a:lumMod val="105000"/>
+                <a:satMod val="109000"/>
+                <a:tint val="81000"/>
+              </a:schemeClr>
+            </a:gs>
+          </a:gsLst>
+          <a:lin ang="5400000" scaled="0"/>
+        </a:gradFill>
+        <a:gradFill rotWithShape="1">
+          <a:gsLst>
+            <a:gs pos="0">
+              <a:schemeClr val="phClr">
+                <a:satMod val="103000"/>
+                <a:lumMod val="102000"/>
+                <a:tint val="94000"/>
+              </a:schemeClr>
+            </a:gs>
+            <a:gs pos="50000">
+              <a:schemeClr val="phClr">
+                <a:satMod val="110000"/>
+                <a:lumMod val="100000"/>
+                <a:shade val="100000"/>
+              </a:schemeClr>
+            </a:gs>
+            <a:gs pos="100000">
+              <a:schemeClr val="phClr">
+                <a:lumMod val="99000"/>
+                <a:satMod val="120000"/>
+                <a:shade val="78000"/>
+              </a:schemeClr>
+            </a:gs>
+          </a:gsLst>
+          <a:lin ang="5400000" scaled="0"/>
+        </a:gradFill>
+      </a:fillStyleLst>
+      <a:lnStyleLst>
+        <a:ln w="6350" cap="flat" cmpd="sng" algn="ctr">
+          <a:solidFill>
+            <a:schemeClr val="phClr"/>
+          </a:solidFill>
+          <a:prstDash val="solid"/>
+          <a:miter lim="800000"/>
+        </a:ln>
+        <a:ln w="12700" cap="flat" cmpd="sng" algn="ctr">
+          <a:solidFill>
+            <a:schemeClr val="phClr"/>
+          </a:solidFill>
+          <a:prstDash val="solid"/>
+          <a:miter lim="800000"/>
+        </a:ln>
+        <a:ln w="19050" cap="flat" cmpd="sng" algn="ctr">
+          <a:solidFill>
+            <a:schemeClr val="phClr"/>
+          </a:solidFill>
+          <a:prstDash val="solid"/>
+          <a:miter lim="800000"/>
+        </a:ln>
+      </a:lnStyleLst>
+      <a:effectStyleLst>
+        <a:effectStyle>
+          <a:effectLst/>
+        </a:effectStyle>
+        <a:effectStyle>
+          <a:effectLst/>
+        </a:effectStyle>
+        <a:effectStyle>
+          <a:effectLst>
+            <a:outerShdw blurRad="57150" dist="19050" dir="5400000" algn="ctr" rotWithShape="0">
+              <a:srgbClr val="000000">
+                <a:alpha val="63000"/>
+              </a:srgbClr>
+            </a:outerShdw>
+          </a:effectLst>
+        </a:effectStyle>
+      </a:effectStyleLst>
+      <a:bgFillStyleLst>
+        <a:solidFill>
+          <a:schemeClr val="phClr"/>
+        </a:solidFill>
+        <a:solidFill>
+          <a:schemeClr val="phClr">
+            <a:tint val="95000"/>
+            <a:satMod val="170000"/>
+          </a:schemeClr>
+        </a:solidFill>
+        <a:gradFill rotWithShape="1">
+          <a:gsLst>
+            <a:gs pos="0">
+              <a:schemeClr val="phClr">
+                <a:tint val="93000"/>
+                <a:satMod val="150000"/>
+                <a:shade val="98000"/>
+                <a:lumMod val="102000"/>
+              </a:schemeClr>
+            </a:gs>
+            <a:gs pos="50000">
+              <a:schemeClr val="phClr">
+                <a:tint val="98000"/>
+                <a:satMod val="130000"/>
+                <a:shade val="90000"/>
+                <a:lumMod val="103000"/>
+              </a:schemeClr>
+            </a:gs>
+            <a:gs pos="100000">
+              <a:schemeClr val="phClr">
+                <a:shade val="63000"/>
+                <a:satMod val="120000"/>
+              </a:schemeClr>
+            </a:gs>
+          </a:gsLst>
+          <a:lin ang="5400000" scaled="0"/>
+        </a:gradFill>
+      </a:bgFillStyleLst>
+    </a:fmtScheme>
+  </a:themeElements>
+  <a:objectDefaults/>
+  <a:extraClrSchemeLst/>
+  <a:extLst>
+    <a:ext uri="{05A4C25C-085E-4340-85A3-A5531E510DB2}">
+      <thm15:themeFamily xmlns:thm15="http://schemas.microsoft.com/office/thememl/2012/main" name="Office Theme" id="{62F939B6-93AF-4DB8-9C6B-D6C7DFDC589F}" vid="{4A3C46E8-61CC-4603-A589-7422A47A8E4A}"/>
+    </a:ext>
+  </a:extLst>
+</a:theme>
 </file>
--- a/oral.pptx
+++ b/oral.pptx
@@ -6361,7 +6361,11 @@
           <a:lstStyle/>
           <a:p>
             <a:r>
-              <a:rPr lang="fr-FR" dirty="0"/>
+              <a:rPr lang="fr-FR" dirty="0">
+                <a:solidFill>
+                  <a:srgbClr val="29077D"/>
+                </a:solidFill>
+              </a:rPr>
               <a:t>Réseau</a:t>
             </a:r>
           </a:p>
@@ -6403,7 +6407,11 @@
               <a:buChar char="•"/>
             </a:pPr>
             <a:r>
-              <a:rPr lang="fr-FR" sz="2800" dirty="0"/>
+              <a:rPr lang="fr-FR" sz="2800" dirty="0">
+                <a:solidFill>
+                  <a:srgbClr val="29077D"/>
+                </a:solidFill>
+              </a:rPr>
               <a:t>Sécurité</a:t>
             </a:r>
           </a:p>
